--- a/Wireframe2.pptx
+++ b/Wireframe2.pptx
@@ -9,9 +9,9 @@
   </p:notesMasterIdLst>
   <p:sldIdLst>
     <p:sldId id="256" r:id="rId2"/>
-    <p:sldId id="260" r:id="rId3"/>
-    <p:sldId id="257" r:id="rId4"/>
-    <p:sldId id="258" r:id="rId5"/>
+    <p:sldId id="261" r:id="rId3"/>
+    <p:sldId id="260" r:id="rId4"/>
+    <p:sldId id="257" r:id="rId5"/>
     <p:sldId id="259" r:id="rId6"/>
   </p:sldIdLst>
   <p:sldSz cx="6858000" cy="9144000" type="screen4x3"/>
@@ -465,90 +465,6 @@
 </file>
 
 <file path=ppt/notesSlides/notesSlide1.xml><?xml version="1.0" encoding="utf-8"?>
-<p:notes xmlns:a="http://schemas.openxmlformats.org/drawingml/2006/main" xmlns:r="http://schemas.openxmlformats.org/officeDocument/2006/relationships" xmlns:p="http://schemas.openxmlformats.org/presentationml/2006/main">
-  <p:cSld>
-    <p:spTree>
-      <p:nvGrpSpPr>
-        <p:cNvPr id="1" name=""/>
-        <p:cNvGrpSpPr/>
-        <p:nvPr/>
-      </p:nvGrpSpPr>
-      <p:grpSpPr>
-        <a:xfrm>
-          <a:off x="0" y="0"/>
-          <a:ext cx="0" cy="0"/>
-          <a:chOff x="0" y="0"/>
-          <a:chExt cx="0" cy="0"/>
-        </a:xfrm>
-      </p:grpSpPr>
-      <p:sp>
-        <p:nvSpPr>
-          <p:cNvPr id="2" name="Slide Image Placeholder 1"/>
-          <p:cNvSpPr>
-            <a:spLocks noGrp="1" noRot="1" noChangeAspect="1"/>
-          </p:cNvSpPr>
-          <p:nvPr>
-            <p:ph type="sldImg"/>
-          </p:nvPr>
-        </p:nvSpPr>
-        <p:spPr/>
-      </p:sp>
-      <p:sp>
-        <p:nvSpPr>
-          <p:cNvPr id="3" name="Notes Placeholder 2"/>
-          <p:cNvSpPr>
-            <a:spLocks noGrp="1"/>
-          </p:cNvSpPr>
-          <p:nvPr>
-            <p:ph type="body" idx="1"/>
-          </p:nvPr>
-        </p:nvSpPr>
-        <p:spPr/>
-        <p:txBody>
-          <a:bodyPr/>
-          <a:lstStyle/>
-          <a:p>
-            <a:endParaRPr lang="en-US" dirty="0"/>
-          </a:p>
-        </p:txBody>
-      </p:sp>
-      <p:sp>
-        <p:nvSpPr>
-          <p:cNvPr id="4" name="Slide Number Placeholder 3"/>
-          <p:cNvSpPr>
-            <a:spLocks noGrp="1"/>
-          </p:cNvSpPr>
-          <p:nvPr>
-            <p:ph type="sldNum" sz="quarter" idx="10"/>
-          </p:nvPr>
-        </p:nvSpPr>
-        <p:spPr/>
-        <p:txBody>
-          <a:bodyPr/>
-          <a:lstStyle/>
-          <a:p>
-            <a:fld id="{18586F5B-36AE-428C-9DDF-DC92B51DA05A}" type="slidenum">
-              <a:rPr lang="en-US" smtClean="0"/>
-              <a:t>3</a:t>
-            </a:fld>
-            <a:endParaRPr lang="en-US"/>
-          </a:p>
-        </p:txBody>
-      </p:sp>
-    </p:spTree>
-    <p:extLst>
-      <p:ext uri="{BB962C8B-B14F-4D97-AF65-F5344CB8AC3E}">
-        <p14:creationId xmlns:p14="http://schemas.microsoft.com/office/powerpoint/2010/main" val="3705456451"/>
-      </p:ext>
-    </p:extLst>
-  </p:cSld>
-  <p:clrMapOvr>
-    <a:masterClrMapping/>
-  </p:clrMapOvr>
-</p:notes>
-</file>
-
-<file path=ppt/notesSlides/notesSlide2.xml><?xml version="1.0" encoding="utf-8"?>
 <p:notes xmlns:a="http://schemas.openxmlformats.org/drawingml/2006/main" xmlns:r="http://schemas.openxmlformats.org/officeDocument/2006/relationships" xmlns:p="http://schemas.openxmlformats.org/presentationml/2006/main">
   <p:cSld>
     <p:spTree>
@@ -3622,50 +3538,6 @@
       </p:grpSpPr>
       <p:sp>
         <p:nvSpPr>
-          <p:cNvPr id="5" name="Rectangle 4"/>
-          <p:cNvSpPr/>
-          <p:nvPr/>
-        </p:nvSpPr>
-        <p:spPr>
-          <a:xfrm>
-            <a:off x="1905000" y="3886200"/>
-            <a:ext cx="2895600" cy="609600"/>
-          </a:xfrm>
-          <a:prstGeom prst="rect">
-            <a:avLst/>
-          </a:prstGeom>
-        </p:spPr>
-        <p:style>
-          <a:lnRef idx="2">
-            <a:schemeClr val="accent1">
-              <a:shade val="50000"/>
-            </a:schemeClr>
-          </a:lnRef>
-          <a:fillRef idx="1">
-            <a:schemeClr val="accent1"/>
-          </a:fillRef>
-          <a:effectRef idx="0">
-            <a:schemeClr val="accent1"/>
-          </a:effectRef>
-          <a:fontRef idx="minor">
-            <a:schemeClr val="lt1"/>
-          </a:fontRef>
-        </p:style>
-        <p:txBody>
-          <a:bodyPr rtlCol="0" anchor="ctr"/>
-          <a:lstStyle/>
-          <a:p>
-            <a:pPr algn="ctr"/>
-            <a:r>
-              <a:rPr lang="en-US" dirty="0" smtClean="0"/>
-              <a:t>See Local Hits</a:t>
-            </a:r>
-            <a:endParaRPr lang="en-US" dirty="0"/>
-          </a:p>
-        </p:txBody>
-      </p:sp>
-      <p:sp>
-        <p:nvSpPr>
           <p:cNvPr id="16" name="Rectangle 15"/>
           <p:cNvSpPr/>
           <p:nvPr/>
@@ -3709,18 +3581,22 @@
       </p:sp>
       <p:sp>
         <p:nvSpPr>
-          <p:cNvPr id="17" name="Rectangle 16"/>
+          <p:cNvPr id="19" name="Rectangle 18"/>
           <p:cNvSpPr/>
           <p:nvPr/>
         </p:nvSpPr>
         <p:spPr>
           <a:xfrm>
-            <a:off x="1905000" y="4724400"/>
+            <a:off x="1889760" y="3810000"/>
             <a:ext cx="2895600" cy="609600"/>
           </a:xfrm>
           <a:prstGeom prst="rect">
             <a:avLst/>
           </a:prstGeom>
+          <a:noFill/>
+          <a:ln>
+            <a:noFill/>
+          </a:ln>
         </p:spPr>
         <p:style>
           <a:lnRef idx="2">
@@ -3744,23 +3620,75 @@
           <a:p>
             <a:pPr algn="ctr"/>
             <a:r>
-              <a:rPr lang="en-US" dirty="0" smtClean="0"/>
-              <a:t>Random Song</a:t>
-            </a:r>
-            <a:endParaRPr lang="en-US" dirty="0"/>
-          </a:p>
-        </p:txBody>
-      </p:sp>
-      <p:sp>
-        <p:nvSpPr>
-          <p:cNvPr id="18" name="Rectangle 17"/>
+              <a:rPr lang="en-US" dirty="0" smtClean="0">
+                <a:solidFill>
+                  <a:schemeClr val="tx1"/>
+                </a:solidFill>
+              </a:rPr>
+              <a:t>Enter Your Name:</a:t>
+            </a:r>
+            <a:endParaRPr lang="en-US" dirty="0">
+              <a:solidFill>
+                <a:schemeClr val="tx1"/>
+              </a:solidFill>
+            </a:endParaRPr>
+          </a:p>
+        </p:txBody>
+      </p:sp>
+      <p:sp>
+        <p:nvSpPr>
+          <p:cNvPr id="20" name="Rectangle 19"/>
           <p:cNvSpPr/>
           <p:nvPr/>
         </p:nvSpPr>
         <p:spPr>
           <a:xfrm>
-            <a:off x="1905000" y="5562600"/>
+            <a:off x="1905000" y="4876800"/>
             <a:ext cx="2895600" cy="609600"/>
+          </a:xfrm>
+          <a:prstGeom prst="rect">
+            <a:avLst/>
+          </a:prstGeom>
+        </p:spPr>
+        <p:style>
+          <a:lnRef idx="2">
+            <a:schemeClr val="accent1">
+              <a:shade val="50000"/>
+            </a:schemeClr>
+          </a:lnRef>
+          <a:fillRef idx="1">
+            <a:schemeClr val="accent1"/>
+          </a:fillRef>
+          <a:effectRef idx="0">
+            <a:schemeClr val="accent1"/>
+          </a:effectRef>
+          <a:fontRef idx="minor">
+            <a:schemeClr val="lt1"/>
+          </a:fontRef>
+        </p:style>
+        <p:txBody>
+          <a:bodyPr rtlCol="0" anchor="ctr"/>
+          <a:lstStyle/>
+          <a:p>
+            <a:pPr algn="ctr"/>
+            <a:r>
+              <a:rPr lang="en-US" dirty="0" smtClean="0"/>
+              <a:t>Enter Name</a:t>
+            </a:r>
+            <a:endParaRPr lang="en-US" dirty="0"/>
+          </a:p>
+        </p:txBody>
+      </p:sp>
+      <p:sp>
+        <p:nvSpPr>
+          <p:cNvPr id="21" name="Rectangle 20"/>
+          <p:cNvSpPr/>
+          <p:nvPr/>
+        </p:nvSpPr>
+        <p:spPr>
+          <a:xfrm>
+            <a:off x="457200" y="4191000"/>
+            <a:ext cx="5943600" cy="609600"/>
           </a:xfrm>
           <a:prstGeom prst="rect">
             <a:avLst/>
@@ -3792,87 +3720,12 @@
           <a:p>
             <a:pPr algn="ctr"/>
             <a:r>
-              <a:rPr lang="en-US" dirty="0" err="1" smtClean="0">
-                <a:solidFill>
-                  <a:schemeClr val="tx1"/>
-                </a:solidFill>
-              </a:rPr>
-              <a:t>Lat</a:t>
-            </a:r>
-            <a:r>
               <a:rPr lang="en-US" dirty="0" smtClean="0">
                 <a:solidFill>
                   <a:schemeClr val="tx1"/>
                 </a:solidFill>
               </a:rPr>
-              <a:t>: ___</a:t>
-            </a:r>
-          </a:p>
-          <a:p>
-            <a:pPr algn="ctr"/>
-            <a:r>
-              <a:rPr lang="en-US" dirty="0" smtClean="0">
-                <a:solidFill>
-                  <a:schemeClr val="tx1"/>
-                </a:solidFill>
-              </a:rPr>
-              <a:t>Long: ___</a:t>
-            </a:r>
-            <a:endParaRPr lang="en-US" dirty="0">
-              <a:solidFill>
-                <a:schemeClr val="tx1"/>
-              </a:solidFill>
-            </a:endParaRPr>
-          </a:p>
-        </p:txBody>
-      </p:sp>
-      <p:sp>
-        <p:nvSpPr>
-          <p:cNvPr id="19" name="Rectangle 18"/>
-          <p:cNvSpPr/>
-          <p:nvPr/>
-        </p:nvSpPr>
-        <p:spPr>
-          <a:xfrm>
-            <a:off x="1905000" y="914400"/>
-            <a:ext cx="2895600" cy="609600"/>
-          </a:xfrm>
-          <a:prstGeom prst="rect">
-            <a:avLst/>
-          </a:prstGeom>
-          <a:noFill/>
-          <a:ln>
-            <a:noFill/>
-          </a:ln>
-        </p:spPr>
-        <p:style>
-          <a:lnRef idx="2">
-            <a:schemeClr val="accent1">
-              <a:shade val="50000"/>
-            </a:schemeClr>
-          </a:lnRef>
-          <a:fillRef idx="1">
-            <a:schemeClr val="accent1"/>
-          </a:fillRef>
-          <a:effectRef idx="0">
-            <a:schemeClr val="accent1"/>
-          </a:effectRef>
-          <a:fontRef idx="minor">
-            <a:schemeClr val="lt1"/>
-          </a:fontRef>
-        </p:style>
-        <p:txBody>
-          <a:bodyPr rtlCol="0" anchor="ctr"/>
-          <a:lstStyle/>
-          <a:p>
-            <a:pPr algn="ctr"/>
-            <a:r>
-              <a:rPr lang="en-US" dirty="0" smtClean="0">
-                <a:solidFill>
-                  <a:schemeClr val="tx1"/>
-                </a:solidFill>
-              </a:rPr>
-              <a:t>____’s Music Player</a:t>
+              <a:t>_______________________________________________</a:t>
             </a:r>
             <a:endParaRPr lang="en-US" dirty="0">
               <a:solidFill>
@@ -3914,14 +3767,14 @@
       </p:grpSpPr>
       <p:sp>
         <p:nvSpPr>
-          <p:cNvPr id="4" name="Rectangle 3"/>
+          <p:cNvPr id="5" name="Rectangle 4"/>
           <p:cNvSpPr/>
           <p:nvPr/>
         </p:nvSpPr>
         <p:spPr>
           <a:xfrm>
-            <a:off x="914400" y="2447924"/>
-            <a:ext cx="5029200" cy="4876800"/>
+            <a:off x="1905000" y="3886200"/>
+            <a:ext cx="2895600" cy="609600"/>
           </a:xfrm>
           <a:prstGeom prst="rect">
             <a:avLst/>
@@ -3949,298 +3802,10 @@
           <a:p>
             <a:pPr algn="ctr"/>
             <a:r>
-              <a:rPr lang="en-US" sz="5400" dirty="0" smtClean="0"/>
-              <a:t>Album Cover</a:t>
-            </a:r>
-            <a:endParaRPr lang="en-US" sz="5400" dirty="0"/>
-          </a:p>
-        </p:txBody>
-      </p:sp>
-      <p:sp>
-        <p:nvSpPr>
-          <p:cNvPr id="5" name="Rectangle 4"/>
-          <p:cNvSpPr/>
-          <p:nvPr/>
-        </p:nvSpPr>
-        <p:spPr>
-          <a:xfrm>
-            <a:off x="152400" y="1676400"/>
-            <a:ext cx="2895600" cy="609600"/>
-          </a:xfrm>
-          <a:prstGeom prst="rect">
-            <a:avLst/>
-          </a:prstGeom>
-        </p:spPr>
-        <p:style>
-          <a:lnRef idx="2">
-            <a:schemeClr val="accent1">
-              <a:shade val="50000"/>
-            </a:schemeClr>
-          </a:lnRef>
-          <a:fillRef idx="1">
-            <a:schemeClr val="accent1"/>
-          </a:fillRef>
-          <a:effectRef idx="0">
-            <a:schemeClr val="accent1"/>
-          </a:effectRef>
-          <a:fontRef idx="minor">
-            <a:schemeClr val="lt1"/>
-          </a:fontRef>
-        </p:style>
-        <p:txBody>
-          <a:bodyPr rtlCol="0" anchor="ctr"/>
-          <a:lstStyle/>
-          <a:p>
-            <a:pPr algn="ctr"/>
-            <a:r>
-              <a:rPr lang="en-US" dirty="0" err="1" smtClean="0"/>
-              <a:t>SoundCloud</a:t>
-            </a:r>
-            <a:r>
               <a:rPr lang="en-US" dirty="0" smtClean="0"/>
-              <a:t> Logo</a:t>
+              <a:t>See Local Hits</a:t>
             </a:r>
             <a:endParaRPr lang="en-US" dirty="0"/>
-          </a:p>
-        </p:txBody>
-      </p:sp>
-      <p:sp>
-        <p:nvSpPr>
-          <p:cNvPr id="9" name="Isosceles Triangle 8"/>
-          <p:cNvSpPr/>
-          <p:nvPr/>
-        </p:nvSpPr>
-        <p:spPr>
-          <a:xfrm rot="5400000">
-            <a:off x="2895600" y="7543800"/>
-            <a:ext cx="1066800" cy="990600"/>
-          </a:xfrm>
-          <a:prstGeom prst="triangle">
-            <a:avLst/>
-          </a:prstGeom>
-          <a:solidFill>
-            <a:schemeClr val="tx1"/>
-          </a:solidFill>
-          <a:ln>
-            <a:solidFill>
-              <a:schemeClr val="tx1"/>
-            </a:solidFill>
-          </a:ln>
-        </p:spPr>
-        <p:style>
-          <a:lnRef idx="2">
-            <a:schemeClr val="accent1">
-              <a:shade val="50000"/>
-            </a:schemeClr>
-          </a:lnRef>
-          <a:fillRef idx="1">
-            <a:schemeClr val="accent1"/>
-          </a:fillRef>
-          <a:effectRef idx="0">
-            <a:schemeClr val="accent1"/>
-          </a:effectRef>
-          <a:fontRef idx="minor">
-            <a:schemeClr val="lt1"/>
-          </a:fontRef>
-        </p:style>
-        <p:txBody>
-          <a:bodyPr rtlCol="0" anchor="ctr"/>
-          <a:lstStyle/>
-          <a:p>
-            <a:pPr algn="ctr"/>
-            <a:endParaRPr lang="en-US"/>
-          </a:p>
-        </p:txBody>
-      </p:sp>
-      <p:sp>
-        <p:nvSpPr>
-          <p:cNvPr id="10" name="Isosceles Triangle 9"/>
-          <p:cNvSpPr/>
-          <p:nvPr/>
-        </p:nvSpPr>
-        <p:spPr>
-          <a:xfrm rot="5400000">
-            <a:off x="4838700" y="7543800"/>
-            <a:ext cx="1066800" cy="990600"/>
-          </a:xfrm>
-          <a:prstGeom prst="triangle">
-            <a:avLst/>
-          </a:prstGeom>
-          <a:solidFill>
-            <a:schemeClr val="tx1"/>
-          </a:solidFill>
-          <a:ln>
-            <a:solidFill>
-              <a:schemeClr val="tx1"/>
-            </a:solidFill>
-          </a:ln>
-        </p:spPr>
-        <p:style>
-          <a:lnRef idx="2">
-            <a:schemeClr val="accent1">
-              <a:shade val="50000"/>
-            </a:schemeClr>
-          </a:lnRef>
-          <a:fillRef idx="1">
-            <a:schemeClr val="accent1"/>
-          </a:fillRef>
-          <a:effectRef idx="0">
-            <a:schemeClr val="accent1"/>
-          </a:effectRef>
-          <a:fontRef idx="minor">
-            <a:schemeClr val="lt1"/>
-          </a:fontRef>
-        </p:style>
-        <p:txBody>
-          <a:bodyPr rtlCol="0" anchor="ctr"/>
-          <a:lstStyle/>
-          <a:p>
-            <a:pPr algn="ctr"/>
-            <a:endParaRPr lang="en-US"/>
-          </a:p>
-        </p:txBody>
-      </p:sp>
-      <p:sp>
-        <p:nvSpPr>
-          <p:cNvPr id="11" name="Isosceles Triangle 10"/>
-          <p:cNvSpPr/>
-          <p:nvPr/>
-        </p:nvSpPr>
-        <p:spPr>
-          <a:xfrm rot="16200000">
-            <a:off x="952500" y="7543800"/>
-            <a:ext cx="1066800" cy="990600"/>
-          </a:xfrm>
-          <a:prstGeom prst="triangle">
-            <a:avLst/>
-          </a:prstGeom>
-          <a:solidFill>
-            <a:schemeClr val="tx1"/>
-          </a:solidFill>
-          <a:ln>
-            <a:solidFill>
-              <a:schemeClr val="tx1"/>
-            </a:solidFill>
-          </a:ln>
-        </p:spPr>
-        <p:style>
-          <a:lnRef idx="2">
-            <a:schemeClr val="accent1">
-              <a:shade val="50000"/>
-            </a:schemeClr>
-          </a:lnRef>
-          <a:fillRef idx="1">
-            <a:schemeClr val="accent1"/>
-          </a:fillRef>
-          <a:effectRef idx="0">
-            <a:schemeClr val="accent1"/>
-          </a:effectRef>
-          <a:fontRef idx="minor">
-            <a:schemeClr val="lt1"/>
-          </a:fontRef>
-        </p:style>
-        <p:txBody>
-          <a:bodyPr rtlCol="0" anchor="ctr"/>
-          <a:lstStyle/>
-          <a:p>
-            <a:pPr algn="ctr"/>
-            <a:endParaRPr lang="en-US"/>
-          </a:p>
-        </p:txBody>
-      </p:sp>
-      <p:sp>
-        <p:nvSpPr>
-          <p:cNvPr id="12" name="Minus 11"/>
-          <p:cNvSpPr/>
-          <p:nvPr/>
-        </p:nvSpPr>
-        <p:spPr>
-          <a:xfrm rot="5400000">
-            <a:off x="276225" y="7715249"/>
-            <a:ext cx="1428750" cy="647700"/>
-          </a:xfrm>
-          <a:prstGeom prst="mathMinus">
-            <a:avLst/>
-          </a:prstGeom>
-          <a:solidFill>
-            <a:schemeClr val="tx1"/>
-          </a:solidFill>
-          <a:ln>
-            <a:solidFill>
-              <a:schemeClr val="tx1"/>
-            </a:solidFill>
-          </a:ln>
-        </p:spPr>
-        <p:style>
-          <a:lnRef idx="2">
-            <a:schemeClr val="accent1">
-              <a:shade val="50000"/>
-            </a:schemeClr>
-          </a:lnRef>
-          <a:fillRef idx="1">
-            <a:schemeClr val="accent1"/>
-          </a:fillRef>
-          <a:effectRef idx="0">
-            <a:schemeClr val="accent1"/>
-          </a:effectRef>
-          <a:fontRef idx="minor">
-            <a:schemeClr val="lt1"/>
-          </a:fontRef>
-        </p:style>
-        <p:txBody>
-          <a:bodyPr rtlCol="0" anchor="ctr"/>
-          <a:lstStyle/>
-          <a:p>
-            <a:pPr algn="ctr"/>
-            <a:endParaRPr lang="en-US"/>
-          </a:p>
-        </p:txBody>
-      </p:sp>
-      <p:sp>
-        <p:nvSpPr>
-          <p:cNvPr id="14" name="Minus 13"/>
-          <p:cNvSpPr/>
-          <p:nvPr/>
-        </p:nvSpPr>
-        <p:spPr>
-          <a:xfrm rot="5400000">
-            <a:off x="5153025" y="7730489"/>
-            <a:ext cx="1428750" cy="647700"/>
-          </a:xfrm>
-          <a:prstGeom prst="mathMinus">
-            <a:avLst/>
-          </a:prstGeom>
-          <a:solidFill>
-            <a:schemeClr val="tx1"/>
-          </a:solidFill>
-          <a:ln>
-            <a:solidFill>
-              <a:schemeClr val="tx1"/>
-            </a:solidFill>
-          </a:ln>
-        </p:spPr>
-        <p:style>
-          <a:lnRef idx="2">
-            <a:schemeClr val="accent1">
-              <a:shade val="50000"/>
-            </a:schemeClr>
-          </a:lnRef>
-          <a:fillRef idx="1">
-            <a:schemeClr val="accent1"/>
-          </a:fillRef>
-          <a:effectRef idx="0">
-            <a:schemeClr val="accent1"/>
-          </a:effectRef>
-          <a:fontRef idx="minor">
-            <a:schemeClr val="lt1"/>
-          </a:fontRef>
-        </p:style>
-        <p:txBody>
-          <a:bodyPr rtlCol="0" anchor="ctr"/>
-          <a:lstStyle/>
-          <a:p>
-            <a:pPr algn="ctr"/>
-            <a:endParaRPr lang="en-US"/>
           </a:p>
         </p:txBody>
       </p:sp>
@@ -4295,8 +3860,8 @@
         </p:nvSpPr>
         <p:spPr>
           <a:xfrm>
-            <a:off x="6032500" y="1676400"/>
-            <a:ext cx="762000" cy="609600"/>
+            <a:off x="1905000" y="4724400"/>
+            <a:ext cx="2895600" cy="609600"/>
           </a:xfrm>
           <a:prstGeom prst="rect">
             <a:avLst/>
@@ -4325,7 +3890,7 @@
             <a:pPr algn="ctr"/>
             <a:r>
               <a:rPr lang="en-US" dirty="0" smtClean="0"/>
-              <a:t>Down</a:t>
+              <a:t>Random Song</a:t>
             </a:r>
             <a:endParaRPr lang="en-US" dirty="0"/>
           </a:p>
@@ -4339,12 +3904,16 @@
         </p:nvSpPr>
         <p:spPr>
           <a:xfrm>
-            <a:off x="5334000" y="1676400"/>
-            <a:ext cx="698500" cy="609600"/>
+            <a:off x="1905000" y="5562600"/>
+            <a:ext cx="2895600" cy="609600"/>
           </a:xfrm>
           <a:prstGeom prst="rect">
             <a:avLst/>
           </a:prstGeom>
+          <a:noFill/>
+          <a:ln>
+            <a:noFill/>
+          </a:ln>
         </p:spPr>
         <p:style>
           <a:lnRef idx="2">
@@ -4368,108 +3937,100 @@
           <a:p>
             <a:pPr algn="ctr"/>
             <a:r>
-              <a:rPr lang="en-US" dirty="0" smtClean="0"/>
-              <a:t>Up</a:t>
-            </a:r>
-            <a:endParaRPr lang="en-US" dirty="0"/>
-          </a:p>
-        </p:txBody>
-      </p:sp>
-      <p:sp>
-        <p:nvSpPr>
-          <p:cNvPr id="2" name="Rectangle 1"/>
+              <a:rPr lang="en-US" dirty="0" err="1" smtClean="0">
+                <a:solidFill>
+                  <a:schemeClr val="tx1"/>
+                </a:solidFill>
+              </a:rPr>
+              <a:t>Lat</a:t>
+            </a:r>
+            <a:r>
+              <a:rPr lang="en-US" dirty="0" smtClean="0">
+                <a:solidFill>
+                  <a:schemeClr val="tx1"/>
+                </a:solidFill>
+              </a:rPr>
+              <a:t>: ___</a:t>
+            </a:r>
+          </a:p>
+          <a:p>
+            <a:pPr algn="ctr"/>
+            <a:r>
+              <a:rPr lang="en-US" dirty="0" smtClean="0">
+                <a:solidFill>
+                  <a:schemeClr val="tx1"/>
+                </a:solidFill>
+              </a:rPr>
+              <a:t>Long: ___</a:t>
+            </a:r>
+            <a:endParaRPr lang="en-US" dirty="0">
+              <a:solidFill>
+                <a:schemeClr val="tx1"/>
+              </a:solidFill>
+            </a:endParaRPr>
+          </a:p>
+        </p:txBody>
+      </p:sp>
+      <p:sp>
+        <p:nvSpPr>
+          <p:cNvPr id="19" name="Rectangle 18"/>
           <p:cNvSpPr/>
           <p:nvPr/>
         </p:nvSpPr>
         <p:spPr>
           <a:xfrm>
-            <a:off x="4098911" y="1796534"/>
-            <a:ext cx="1216039" cy="369332"/>
+            <a:off x="1905000" y="914400"/>
+            <a:ext cx="2895600" cy="609600"/>
           </a:xfrm>
           <a:prstGeom prst="rect">
             <a:avLst/>
           </a:prstGeom>
-        </p:spPr>
-        <p:txBody>
-          <a:bodyPr wrap="none">
-            <a:spAutoFit/>
-          </a:bodyPr>
-          <a:lstStyle/>
-          <a:p>
-            <a:r>
-              <a:rPr lang="en-US" dirty="0" err="1" smtClean="0"/>
-              <a:t>Num</a:t>
-            </a:r>
-            <a:r>
-              <a:rPr lang="en-US" dirty="0" smtClean="0"/>
-              <a:t> Votes</a:t>
-            </a:r>
-            <a:endParaRPr lang="en-US" dirty="0"/>
-          </a:p>
-        </p:txBody>
-      </p:sp>
-      <p:sp>
-        <p:nvSpPr>
-          <p:cNvPr id="19" name="Rectangle 18"/>
-          <p:cNvSpPr/>
-          <p:nvPr/>
-        </p:nvSpPr>
-        <p:spPr>
-          <a:xfrm>
-            <a:off x="2971800" y="625118"/>
-            <a:ext cx="915635" cy="584775"/>
-          </a:xfrm>
-          <a:prstGeom prst="rect">
-            <a:avLst/>
-          </a:prstGeom>
-        </p:spPr>
-        <p:txBody>
-          <a:bodyPr wrap="none">
-            <a:spAutoFit/>
-          </a:bodyPr>
-          <a:lstStyle/>
-          <a:p>
-            <a:r>
-              <a:rPr lang="en-US" sz="3200" dirty="0" smtClean="0"/>
-              <a:t>Title</a:t>
-            </a:r>
-            <a:endParaRPr lang="en-US" dirty="0"/>
-          </a:p>
-        </p:txBody>
-      </p:sp>
-      <p:sp>
-        <p:nvSpPr>
-          <p:cNvPr id="20" name="Rectangle 19"/>
-          <p:cNvSpPr/>
-          <p:nvPr/>
-        </p:nvSpPr>
-        <p:spPr>
-          <a:xfrm>
-            <a:off x="3083072" y="1126332"/>
-            <a:ext cx="691856" cy="369332"/>
-          </a:xfrm>
-          <a:prstGeom prst="rect">
-            <a:avLst/>
-          </a:prstGeom>
-        </p:spPr>
-        <p:txBody>
-          <a:bodyPr wrap="none">
-            <a:spAutoFit/>
-          </a:bodyPr>
-          <a:lstStyle/>
-          <a:p>
-            <a:r>
-              <a:rPr lang="en-US" dirty="0" smtClean="0"/>
-              <a:t>Artist</a:t>
-            </a:r>
-            <a:endParaRPr lang="en-US" dirty="0"/>
+          <a:noFill/>
+          <a:ln>
+            <a:noFill/>
+          </a:ln>
+        </p:spPr>
+        <p:style>
+          <a:lnRef idx="2">
+            <a:schemeClr val="accent1">
+              <a:shade val="50000"/>
+            </a:schemeClr>
+          </a:lnRef>
+          <a:fillRef idx="1">
+            <a:schemeClr val="accent1"/>
+          </a:fillRef>
+          <a:effectRef idx="0">
+            <a:schemeClr val="accent1"/>
+          </a:effectRef>
+          <a:fontRef idx="minor">
+            <a:schemeClr val="lt1"/>
+          </a:fontRef>
+        </p:style>
+        <p:txBody>
+          <a:bodyPr rtlCol="0" anchor="ctr"/>
+          <a:lstStyle/>
+          <a:p>
+            <a:pPr algn="ctr"/>
+            <a:r>
+              <a:rPr lang="en-US" dirty="0" smtClean="0">
+                <a:solidFill>
+                  <a:schemeClr val="tx1"/>
+                </a:solidFill>
+              </a:rPr>
+              <a:t>____’s Music Player</a:t>
+            </a:r>
+            <a:endParaRPr lang="en-US" dirty="0">
+              <a:solidFill>
+                <a:schemeClr val="tx1"/>
+              </a:solidFill>
+            </a:endParaRPr>
           </a:p>
         </p:txBody>
       </p:sp>
     </p:spTree>
     <p:extLst>
       <p:ext uri="{BB962C8B-B14F-4D97-AF65-F5344CB8AC3E}">
-        <p14:creationId xmlns:p14="http://schemas.microsoft.com/office/powerpoint/2010/main" val="294867727"/>
+        <p14:creationId xmlns:p14="http://schemas.microsoft.com/office/powerpoint/2010/main" val="791906614"/>
       </p:ext>
     </p:extLst>
   </p:cSld>
@@ -4504,18 +4065,12 @@
         </p:nvSpPr>
         <p:spPr>
           <a:xfrm>
-            <a:off x="1066800" y="1066800"/>
-            <a:ext cx="5791200" cy="1066800"/>
+            <a:off x="914400" y="2447924"/>
+            <a:ext cx="5029200" cy="4876800"/>
           </a:xfrm>
           <a:prstGeom prst="rect">
             <a:avLst/>
           </a:prstGeom>
-          <a:noFill/>
-          <a:ln>
-            <a:solidFill>
-              <a:schemeClr val="tx1"/>
-            </a:solidFill>
-          </a:ln>
         </p:spPr>
         <p:style>
           <a:lnRef idx="2">
@@ -4537,42 +4092,29 @@
           <a:bodyPr rtlCol="0" anchor="ctr"/>
           <a:lstStyle/>
           <a:p>
-            <a:r>
-              <a:rPr lang="en-US" sz="3200" dirty="0" smtClean="0">
-                <a:solidFill>
-                  <a:schemeClr val="tx1"/>
-                </a:solidFill>
-              </a:rPr>
-              <a:t>Song 2</a:t>
-            </a:r>
-            <a:endParaRPr lang="en-US" sz="3200" dirty="0">
-              <a:solidFill>
-                <a:schemeClr val="tx1"/>
-              </a:solidFill>
-            </a:endParaRPr>
-          </a:p>
-        </p:txBody>
-      </p:sp>
-      <p:sp>
-        <p:nvSpPr>
-          <p:cNvPr id="6" name="Rectangle 5"/>
+            <a:pPr algn="ctr"/>
+            <a:r>
+              <a:rPr lang="en-US" sz="5400" dirty="0" smtClean="0"/>
+              <a:t>Album Cover</a:t>
+            </a:r>
+            <a:endParaRPr lang="en-US" sz="5400" dirty="0"/>
+          </a:p>
+        </p:txBody>
+      </p:sp>
+      <p:sp>
+        <p:nvSpPr>
+          <p:cNvPr id="5" name="Rectangle 4"/>
           <p:cNvSpPr/>
           <p:nvPr/>
         </p:nvSpPr>
         <p:spPr>
           <a:xfrm>
-            <a:off x="0" y="0"/>
-            <a:ext cx="1066800" cy="1066800"/>
+            <a:off x="152400" y="1676400"/>
+            <a:ext cx="2895600" cy="609600"/>
           </a:xfrm>
           <a:prstGeom prst="rect">
             <a:avLst/>
           </a:prstGeom>
-          <a:noFill/>
-          <a:ln>
-            <a:solidFill>
-              <a:schemeClr val="tx1"/>
-            </a:solidFill>
-          </a:ln>
         </p:spPr>
         <p:style>
           <a:lnRef idx="2">
@@ -4596,37 +4138,34 @@
           <a:p>
             <a:pPr algn="ctr"/>
             <a:r>
-              <a:rPr lang="en-US" sz="3200" dirty="0" smtClean="0">
-                <a:solidFill>
-                  <a:schemeClr val="tx1"/>
-                </a:solidFill>
-                <a:sym typeface="Wingdings"/>
-              </a:rPr>
-              <a:t>0</a:t>
-            </a:r>
-            <a:endParaRPr lang="en-US" sz="3200" dirty="0">
-              <a:solidFill>
-                <a:schemeClr val="tx1"/>
-              </a:solidFill>
-            </a:endParaRPr>
-          </a:p>
-        </p:txBody>
-      </p:sp>
-      <p:sp>
-        <p:nvSpPr>
-          <p:cNvPr id="9" name="Rectangle 8"/>
+              <a:rPr lang="en-US" dirty="0" err="1" smtClean="0"/>
+              <a:t>SoundCloud</a:t>
+            </a:r>
+            <a:r>
+              <a:rPr lang="en-US" dirty="0" smtClean="0"/>
+              <a:t> Logo</a:t>
+            </a:r>
+            <a:endParaRPr lang="en-US" dirty="0"/>
+          </a:p>
+        </p:txBody>
+      </p:sp>
+      <p:sp>
+        <p:nvSpPr>
+          <p:cNvPr id="9" name="Isosceles Triangle 8"/>
           <p:cNvSpPr/>
           <p:nvPr/>
         </p:nvSpPr>
         <p:spPr>
-          <a:xfrm>
-            <a:off x="1066800" y="0"/>
-            <a:ext cx="5791200" cy="1066800"/>
-          </a:xfrm>
-          <a:prstGeom prst="rect">
+          <a:xfrm rot="5400000">
+            <a:off x="2895600" y="7543800"/>
+            <a:ext cx="1066800" cy="990600"/>
+          </a:xfrm>
+          <a:prstGeom prst="triangle">
             <a:avLst/>
           </a:prstGeom>
-          <a:noFill/>
+          <a:solidFill>
+            <a:schemeClr val="tx1"/>
+          </a:solidFill>
           <a:ln>
             <a:solidFill>
               <a:schemeClr val="tx1"/>
@@ -4653,37 +4192,28 @@
           <a:bodyPr rtlCol="0" anchor="ctr"/>
           <a:lstStyle/>
           <a:p>
-            <a:r>
-              <a:rPr lang="en-US" sz="3200" dirty="0" smtClean="0">
-                <a:solidFill>
-                  <a:schemeClr val="tx1"/>
-                </a:solidFill>
-              </a:rPr>
-              <a:t>Song 1</a:t>
-            </a:r>
-            <a:endParaRPr lang="en-US" sz="3200" dirty="0">
-              <a:solidFill>
-                <a:schemeClr val="tx1"/>
-              </a:solidFill>
-            </a:endParaRPr>
-          </a:p>
-        </p:txBody>
-      </p:sp>
-      <p:sp>
-        <p:nvSpPr>
-          <p:cNvPr id="10" name="Rectangle 9"/>
+            <a:pPr algn="ctr"/>
+            <a:endParaRPr lang="en-US"/>
+          </a:p>
+        </p:txBody>
+      </p:sp>
+      <p:sp>
+        <p:nvSpPr>
+          <p:cNvPr id="10" name="Isosceles Triangle 9"/>
           <p:cNvSpPr/>
           <p:nvPr/>
         </p:nvSpPr>
         <p:spPr>
-          <a:xfrm>
-            <a:off x="0" y="1066800"/>
-            <a:ext cx="1066800" cy="1066800"/>
-          </a:xfrm>
-          <a:prstGeom prst="rect">
+          <a:xfrm rot="5400000">
+            <a:off x="4838700" y="7543800"/>
+            <a:ext cx="1066800" cy="990600"/>
+          </a:xfrm>
+          <a:prstGeom prst="triangle">
             <a:avLst/>
           </a:prstGeom>
-          <a:noFill/>
+          <a:solidFill>
+            <a:schemeClr val="tx1"/>
+          </a:solidFill>
           <a:ln>
             <a:solidFill>
               <a:schemeClr val="tx1"/>
@@ -4711,38 +4241,27 @@
           <a:lstStyle/>
           <a:p>
             <a:pPr algn="ctr"/>
-            <a:r>
-              <a:rPr lang="en-US" sz="3200" dirty="0" smtClean="0">
-                <a:solidFill>
-                  <a:schemeClr val="tx1"/>
-                </a:solidFill>
-                <a:sym typeface="Wingdings"/>
-              </a:rPr>
-              <a:t>3</a:t>
-            </a:r>
-            <a:endParaRPr lang="en-US" sz="3200" dirty="0">
-              <a:solidFill>
-                <a:schemeClr val="tx1"/>
-              </a:solidFill>
-            </a:endParaRPr>
-          </a:p>
-        </p:txBody>
-      </p:sp>
-      <p:sp>
-        <p:nvSpPr>
-          <p:cNvPr id="13" name="Rectangle 12"/>
+            <a:endParaRPr lang="en-US"/>
+          </a:p>
+        </p:txBody>
+      </p:sp>
+      <p:sp>
+        <p:nvSpPr>
+          <p:cNvPr id="11" name="Isosceles Triangle 10"/>
           <p:cNvSpPr/>
           <p:nvPr/>
         </p:nvSpPr>
         <p:spPr>
-          <a:xfrm>
-            <a:off x="1066800" y="3200400"/>
-            <a:ext cx="5791200" cy="1066800"/>
-          </a:xfrm>
-          <a:prstGeom prst="rect">
+          <a:xfrm rot="16200000">
+            <a:off x="952500" y="7543800"/>
+            <a:ext cx="1066800" cy="990600"/>
+          </a:xfrm>
+          <a:prstGeom prst="triangle">
             <a:avLst/>
           </a:prstGeom>
-          <a:noFill/>
+          <a:solidFill>
+            <a:schemeClr val="tx1"/>
+          </a:solidFill>
           <a:ln>
             <a:solidFill>
               <a:schemeClr val="tx1"/>
@@ -4769,37 +4288,28 @@
           <a:bodyPr rtlCol="0" anchor="ctr"/>
           <a:lstStyle/>
           <a:p>
-            <a:r>
-              <a:rPr lang="en-US" sz="3200" dirty="0" smtClean="0">
-                <a:solidFill>
-                  <a:schemeClr val="tx1"/>
-                </a:solidFill>
-              </a:rPr>
-              <a:t>Song 4</a:t>
-            </a:r>
-            <a:endParaRPr lang="en-US" sz="3200" dirty="0">
-              <a:solidFill>
-                <a:schemeClr val="tx1"/>
-              </a:solidFill>
-            </a:endParaRPr>
-          </a:p>
-        </p:txBody>
-      </p:sp>
-      <p:sp>
-        <p:nvSpPr>
-          <p:cNvPr id="14" name="Rectangle 13"/>
+            <a:pPr algn="ctr"/>
+            <a:endParaRPr lang="en-US"/>
+          </a:p>
+        </p:txBody>
+      </p:sp>
+      <p:sp>
+        <p:nvSpPr>
+          <p:cNvPr id="12" name="Minus 11"/>
           <p:cNvSpPr/>
           <p:nvPr/>
         </p:nvSpPr>
         <p:spPr>
-          <a:xfrm>
-            <a:off x="0" y="2133600"/>
-            <a:ext cx="1066800" cy="1066800"/>
-          </a:xfrm>
-          <a:prstGeom prst="rect">
+          <a:xfrm rot="5400000">
+            <a:off x="276225" y="7715249"/>
+            <a:ext cx="1428750" cy="647700"/>
+          </a:xfrm>
+          <a:prstGeom prst="mathMinus">
             <a:avLst/>
           </a:prstGeom>
-          <a:noFill/>
+          <a:solidFill>
+            <a:schemeClr val="tx1"/>
+          </a:solidFill>
           <a:ln>
             <a:solidFill>
               <a:schemeClr val="tx1"/>
@@ -4827,38 +4337,27 @@
           <a:lstStyle/>
           <a:p>
             <a:pPr algn="ctr"/>
-            <a:r>
-              <a:rPr lang="en-US" sz="3200" dirty="0" smtClean="0">
-                <a:solidFill>
-                  <a:schemeClr val="tx1"/>
-                </a:solidFill>
-                <a:sym typeface="Wingdings"/>
-              </a:rPr>
-              <a:t>0</a:t>
-            </a:r>
-            <a:endParaRPr lang="en-US" sz="3200" dirty="0">
-              <a:solidFill>
-                <a:schemeClr val="tx1"/>
-              </a:solidFill>
-            </a:endParaRPr>
-          </a:p>
-        </p:txBody>
-      </p:sp>
-      <p:sp>
-        <p:nvSpPr>
-          <p:cNvPr id="15" name="Rectangle 14"/>
+            <a:endParaRPr lang="en-US"/>
+          </a:p>
+        </p:txBody>
+      </p:sp>
+      <p:sp>
+        <p:nvSpPr>
+          <p:cNvPr id="14" name="Minus 13"/>
           <p:cNvSpPr/>
           <p:nvPr/>
         </p:nvSpPr>
         <p:spPr>
-          <a:xfrm>
-            <a:off x="1066800" y="2133600"/>
-            <a:ext cx="5791200" cy="1066800"/>
-          </a:xfrm>
-          <a:prstGeom prst="rect">
+          <a:xfrm rot="5400000">
+            <a:off x="5153025" y="7730489"/>
+            <a:ext cx="1428750" cy="647700"/>
+          </a:xfrm>
+          <a:prstGeom prst="mathMinus">
             <a:avLst/>
           </a:prstGeom>
-          <a:noFill/>
+          <a:solidFill>
+            <a:schemeClr val="tx1"/>
+          </a:solidFill>
           <a:ln>
             <a:solidFill>
               <a:schemeClr val="tx1"/>
@@ -4885,664 +4384,14 @@
           <a:bodyPr rtlCol="0" anchor="ctr"/>
           <a:lstStyle/>
           <a:p>
-            <a:r>
-              <a:rPr lang="en-US" sz="3200" dirty="0" smtClean="0">
-                <a:solidFill>
-                  <a:schemeClr val="tx1"/>
-                </a:solidFill>
-              </a:rPr>
-              <a:t>Song 3</a:t>
-            </a:r>
-            <a:endParaRPr lang="en-US" sz="3200" dirty="0">
-              <a:solidFill>
-                <a:schemeClr val="tx1"/>
-              </a:solidFill>
-            </a:endParaRPr>
+            <a:pPr algn="ctr"/>
+            <a:endParaRPr lang="en-US"/>
           </a:p>
         </p:txBody>
       </p:sp>
       <p:sp>
         <p:nvSpPr>
           <p:cNvPr id="16" name="Rectangle 15"/>
-          <p:cNvSpPr/>
-          <p:nvPr/>
-        </p:nvSpPr>
-        <p:spPr>
-          <a:xfrm>
-            <a:off x="0" y="3200400"/>
-            <a:ext cx="1066800" cy="1066800"/>
-          </a:xfrm>
-          <a:prstGeom prst="rect">
-            <a:avLst/>
-          </a:prstGeom>
-          <a:noFill/>
-          <a:ln>
-            <a:solidFill>
-              <a:schemeClr val="tx1"/>
-            </a:solidFill>
-          </a:ln>
-        </p:spPr>
-        <p:style>
-          <a:lnRef idx="2">
-            <a:schemeClr val="accent1">
-              <a:shade val="50000"/>
-            </a:schemeClr>
-          </a:lnRef>
-          <a:fillRef idx="1">
-            <a:schemeClr val="accent1"/>
-          </a:fillRef>
-          <a:effectRef idx="0">
-            <a:schemeClr val="accent1"/>
-          </a:effectRef>
-          <a:fontRef idx="minor">
-            <a:schemeClr val="lt1"/>
-          </a:fontRef>
-        </p:style>
-        <p:txBody>
-          <a:bodyPr rtlCol="0" anchor="ctr"/>
-          <a:lstStyle/>
-          <a:p>
-            <a:pPr algn="ctr"/>
-            <a:r>
-              <a:rPr lang="en-US" sz="3200" dirty="0" smtClean="0">
-                <a:solidFill>
-                  <a:schemeClr val="tx1"/>
-                </a:solidFill>
-                <a:sym typeface="Wingdings"/>
-              </a:rPr>
-              <a:t>1</a:t>
-            </a:r>
-            <a:endParaRPr lang="en-US" sz="3200" dirty="0">
-              <a:solidFill>
-                <a:schemeClr val="tx1"/>
-              </a:solidFill>
-            </a:endParaRPr>
-          </a:p>
-        </p:txBody>
-      </p:sp>
-      <p:sp>
-        <p:nvSpPr>
-          <p:cNvPr id="23" name="Rectangle 22"/>
-          <p:cNvSpPr/>
-          <p:nvPr/>
-        </p:nvSpPr>
-        <p:spPr>
-          <a:xfrm>
-            <a:off x="1066800" y="4267200"/>
-            <a:ext cx="5791200" cy="1066800"/>
-          </a:xfrm>
-          <a:prstGeom prst="rect">
-            <a:avLst/>
-          </a:prstGeom>
-          <a:noFill/>
-          <a:ln>
-            <a:solidFill>
-              <a:schemeClr val="tx1"/>
-            </a:solidFill>
-          </a:ln>
-        </p:spPr>
-        <p:style>
-          <a:lnRef idx="2">
-            <a:schemeClr val="accent1">
-              <a:shade val="50000"/>
-            </a:schemeClr>
-          </a:lnRef>
-          <a:fillRef idx="1">
-            <a:schemeClr val="accent1"/>
-          </a:fillRef>
-          <a:effectRef idx="0">
-            <a:schemeClr val="accent1"/>
-          </a:effectRef>
-          <a:fontRef idx="minor">
-            <a:schemeClr val="lt1"/>
-          </a:fontRef>
-        </p:style>
-        <p:txBody>
-          <a:bodyPr rtlCol="0" anchor="ctr"/>
-          <a:lstStyle/>
-          <a:p>
-            <a:r>
-              <a:rPr lang="en-US" sz="3200" dirty="0" smtClean="0">
-                <a:solidFill>
-                  <a:schemeClr val="tx1"/>
-                </a:solidFill>
-              </a:rPr>
-              <a:t>Song 5</a:t>
-            </a:r>
-            <a:endParaRPr lang="en-US" sz="3200" dirty="0">
-              <a:solidFill>
-                <a:schemeClr val="tx1"/>
-              </a:solidFill>
-            </a:endParaRPr>
-          </a:p>
-        </p:txBody>
-      </p:sp>
-      <p:sp>
-        <p:nvSpPr>
-          <p:cNvPr id="24" name="Rectangle 23"/>
-          <p:cNvSpPr/>
-          <p:nvPr/>
-        </p:nvSpPr>
-        <p:spPr>
-          <a:xfrm>
-            <a:off x="0" y="4267200"/>
-            <a:ext cx="1066800" cy="1066800"/>
-          </a:xfrm>
-          <a:prstGeom prst="rect">
-            <a:avLst/>
-          </a:prstGeom>
-          <a:noFill/>
-          <a:ln>
-            <a:solidFill>
-              <a:schemeClr val="tx1"/>
-            </a:solidFill>
-          </a:ln>
-        </p:spPr>
-        <p:style>
-          <a:lnRef idx="2">
-            <a:schemeClr val="accent1">
-              <a:shade val="50000"/>
-            </a:schemeClr>
-          </a:lnRef>
-          <a:fillRef idx="1">
-            <a:schemeClr val="accent1"/>
-          </a:fillRef>
-          <a:effectRef idx="0">
-            <a:schemeClr val="accent1"/>
-          </a:effectRef>
-          <a:fontRef idx="minor">
-            <a:schemeClr val="lt1"/>
-          </a:fontRef>
-        </p:style>
-        <p:txBody>
-          <a:bodyPr rtlCol="0" anchor="ctr"/>
-          <a:lstStyle/>
-          <a:p>
-            <a:pPr algn="ctr"/>
-            <a:r>
-              <a:rPr lang="en-US" sz="3200" dirty="0" smtClean="0">
-                <a:solidFill>
-                  <a:schemeClr val="tx1"/>
-                </a:solidFill>
-                <a:sym typeface="Wingdings"/>
-              </a:rPr>
-              <a:t>3</a:t>
-            </a:r>
-            <a:endParaRPr lang="en-US" sz="3200" dirty="0">
-              <a:solidFill>
-                <a:schemeClr val="tx1"/>
-              </a:solidFill>
-            </a:endParaRPr>
-          </a:p>
-        </p:txBody>
-      </p:sp>
-      <p:sp>
-        <p:nvSpPr>
-          <p:cNvPr id="25" name="Rectangle 24"/>
-          <p:cNvSpPr/>
-          <p:nvPr/>
-        </p:nvSpPr>
-        <p:spPr>
-          <a:xfrm>
-            <a:off x="1066800" y="6400800"/>
-            <a:ext cx="5791200" cy="1066800"/>
-          </a:xfrm>
-          <a:prstGeom prst="rect">
-            <a:avLst/>
-          </a:prstGeom>
-          <a:noFill/>
-          <a:ln>
-            <a:solidFill>
-              <a:schemeClr val="tx1"/>
-            </a:solidFill>
-          </a:ln>
-        </p:spPr>
-        <p:style>
-          <a:lnRef idx="2">
-            <a:schemeClr val="accent1">
-              <a:shade val="50000"/>
-            </a:schemeClr>
-          </a:lnRef>
-          <a:fillRef idx="1">
-            <a:schemeClr val="accent1"/>
-          </a:fillRef>
-          <a:effectRef idx="0">
-            <a:schemeClr val="accent1"/>
-          </a:effectRef>
-          <a:fontRef idx="minor">
-            <a:schemeClr val="lt1"/>
-          </a:fontRef>
-        </p:style>
-        <p:txBody>
-          <a:bodyPr rtlCol="0" anchor="ctr"/>
-          <a:lstStyle/>
-          <a:p>
-            <a:r>
-              <a:rPr lang="en-US" sz="3200" dirty="0" smtClean="0">
-                <a:solidFill>
-                  <a:schemeClr val="tx1"/>
-                </a:solidFill>
-              </a:rPr>
-              <a:t>Song 7</a:t>
-            </a:r>
-            <a:endParaRPr lang="en-US" sz="3200" dirty="0">
-              <a:solidFill>
-                <a:schemeClr val="tx1"/>
-              </a:solidFill>
-            </a:endParaRPr>
-          </a:p>
-        </p:txBody>
-      </p:sp>
-      <p:sp>
-        <p:nvSpPr>
-          <p:cNvPr id="26" name="Rectangle 25"/>
-          <p:cNvSpPr/>
-          <p:nvPr/>
-        </p:nvSpPr>
-        <p:spPr>
-          <a:xfrm>
-            <a:off x="0" y="5334000"/>
-            <a:ext cx="1066800" cy="1066800"/>
-          </a:xfrm>
-          <a:prstGeom prst="rect">
-            <a:avLst/>
-          </a:prstGeom>
-          <a:noFill/>
-          <a:ln>
-            <a:solidFill>
-              <a:schemeClr val="tx1"/>
-            </a:solidFill>
-          </a:ln>
-        </p:spPr>
-        <p:style>
-          <a:lnRef idx="2">
-            <a:schemeClr val="accent1">
-              <a:shade val="50000"/>
-            </a:schemeClr>
-          </a:lnRef>
-          <a:fillRef idx="1">
-            <a:schemeClr val="accent1"/>
-          </a:fillRef>
-          <a:effectRef idx="0">
-            <a:schemeClr val="accent1"/>
-          </a:effectRef>
-          <a:fontRef idx="minor">
-            <a:schemeClr val="lt1"/>
-          </a:fontRef>
-        </p:style>
-        <p:txBody>
-          <a:bodyPr rtlCol="0" anchor="ctr"/>
-          <a:lstStyle/>
-          <a:p>
-            <a:pPr algn="ctr"/>
-            <a:r>
-              <a:rPr lang="en-US" sz="3200" dirty="0" smtClean="0">
-                <a:solidFill>
-                  <a:schemeClr val="tx1"/>
-                </a:solidFill>
-                <a:sym typeface="Wingdings"/>
-              </a:rPr>
-              <a:t>2</a:t>
-            </a:r>
-            <a:endParaRPr lang="en-US" sz="3200" dirty="0">
-              <a:solidFill>
-                <a:schemeClr val="tx1"/>
-              </a:solidFill>
-            </a:endParaRPr>
-          </a:p>
-        </p:txBody>
-      </p:sp>
-      <p:sp>
-        <p:nvSpPr>
-          <p:cNvPr id="27" name="Rectangle 26"/>
-          <p:cNvSpPr/>
-          <p:nvPr/>
-        </p:nvSpPr>
-        <p:spPr>
-          <a:xfrm>
-            <a:off x="1066800" y="5334000"/>
-            <a:ext cx="5791200" cy="1066800"/>
-          </a:xfrm>
-          <a:prstGeom prst="rect">
-            <a:avLst/>
-          </a:prstGeom>
-          <a:noFill/>
-          <a:ln>
-            <a:solidFill>
-              <a:schemeClr val="tx1"/>
-            </a:solidFill>
-          </a:ln>
-        </p:spPr>
-        <p:style>
-          <a:lnRef idx="2">
-            <a:schemeClr val="accent1">
-              <a:shade val="50000"/>
-            </a:schemeClr>
-          </a:lnRef>
-          <a:fillRef idx="1">
-            <a:schemeClr val="accent1"/>
-          </a:fillRef>
-          <a:effectRef idx="0">
-            <a:schemeClr val="accent1"/>
-          </a:effectRef>
-          <a:fontRef idx="minor">
-            <a:schemeClr val="lt1"/>
-          </a:fontRef>
-        </p:style>
-        <p:txBody>
-          <a:bodyPr rtlCol="0" anchor="ctr"/>
-          <a:lstStyle/>
-          <a:p>
-            <a:r>
-              <a:rPr lang="en-US" sz="3200" dirty="0" smtClean="0">
-                <a:solidFill>
-                  <a:schemeClr val="tx1"/>
-                </a:solidFill>
-              </a:rPr>
-              <a:t>Song 6</a:t>
-            </a:r>
-            <a:endParaRPr lang="en-US" sz="3200" dirty="0">
-              <a:solidFill>
-                <a:schemeClr val="tx1"/>
-              </a:solidFill>
-            </a:endParaRPr>
-          </a:p>
-        </p:txBody>
-      </p:sp>
-      <p:sp>
-        <p:nvSpPr>
-          <p:cNvPr id="28" name="Rectangle 27"/>
-          <p:cNvSpPr/>
-          <p:nvPr/>
-        </p:nvSpPr>
-        <p:spPr>
-          <a:xfrm>
-            <a:off x="0" y="6400800"/>
-            <a:ext cx="1066800" cy="1066800"/>
-          </a:xfrm>
-          <a:prstGeom prst="rect">
-            <a:avLst/>
-          </a:prstGeom>
-          <a:noFill/>
-          <a:ln>
-            <a:solidFill>
-              <a:schemeClr val="tx1"/>
-            </a:solidFill>
-          </a:ln>
-        </p:spPr>
-        <p:style>
-          <a:lnRef idx="2">
-            <a:schemeClr val="accent1">
-              <a:shade val="50000"/>
-            </a:schemeClr>
-          </a:lnRef>
-          <a:fillRef idx="1">
-            <a:schemeClr val="accent1"/>
-          </a:fillRef>
-          <a:effectRef idx="0">
-            <a:schemeClr val="accent1"/>
-          </a:effectRef>
-          <a:fontRef idx="minor">
-            <a:schemeClr val="lt1"/>
-          </a:fontRef>
-        </p:style>
-        <p:txBody>
-          <a:bodyPr rtlCol="0" anchor="ctr"/>
-          <a:lstStyle/>
-          <a:p>
-            <a:pPr algn="ctr"/>
-            <a:r>
-              <a:rPr lang="en-US" sz="3200" dirty="0" smtClean="0">
-                <a:solidFill>
-                  <a:schemeClr val="tx1"/>
-                </a:solidFill>
-                <a:sym typeface="Wingdings"/>
-              </a:rPr>
-              <a:t>10</a:t>
-            </a:r>
-            <a:endParaRPr lang="en-US" sz="3200" dirty="0">
-              <a:solidFill>
-                <a:schemeClr val="tx1"/>
-              </a:solidFill>
-            </a:endParaRPr>
-          </a:p>
-        </p:txBody>
-      </p:sp>
-      <p:sp>
-        <p:nvSpPr>
-          <p:cNvPr id="29" name="Rectangle 28"/>
-          <p:cNvSpPr/>
-          <p:nvPr/>
-        </p:nvSpPr>
-        <p:spPr>
-          <a:xfrm>
-            <a:off x="1066800" y="8534400"/>
-            <a:ext cx="5791200" cy="1066800"/>
-          </a:xfrm>
-          <a:prstGeom prst="rect">
-            <a:avLst/>
-          </a:prstGeom>
-          <a:noFill/>
-          <a:ln>
-            <a:solidFill>
-              <a:schemeClr val="tx1"/>
-            </a:solidFill>
-          </a:ln>
-        </p:spPr>
-        <p:style>
-          <a:lnRef idx="2">
-            <a:schemeClr val="accent1">
-              <a:shade val="50000"/>
-            </a:schemeClr>
-          </a:lnRef>
-          <a:fillRef idx="1">
-            <a:schemeClr val="accent1"/>
-          </a:fillRef>
-          <a:effectRef idx="0">
-            <a:schemeClr val="accent1"/>
-          </a:effectRef>
-          <a:fontRef idx="minor">
-            <a:schemeClr val="lt1"/>
-          </a:fontRef>
-        </p:style>
-        <p:txBody>
-          <a:bodyPr rtlCol="0" anchor="ctr"/>
-          <a:lstStyle/>
-          <a:p>
-            <a:r>
-              <a:rPr lang="en-US" sz="3200" dirty="0" smtClean="0">
-                <a:solidFill>
-                  <a:schemeClr val="tx1"/>
-                </a:solidFill>
-              </a:rPr>
-              <a:t>Song 9</a:t>
-            </a:r>
-            <a:endParaRPr lang="en-US" sz="3200" dirty="0">
-              <a:solidFill>
-                <a:schemeClr val="tx1"/>
-              </a:solidFill>
-            </a:endParaRPr>
-          </a:p>
-        </p:txBody>
-      </p:sp>
-      <p:sp>
-        <p:nvSpPr>
-          <p:cNvPr id="30" name="Rectangle 29"/>
-          <p:cNvSpPr/>
-          <p:nvPr/>
-        </p:nvSpPr>
-        <p:spPr>
-          <a:xfrm>
-            <a:off x="0" y="7467600"/>
-            <a:ext cx="1066800" cy="1066800"/>
-          </a:xfrm>
-          <a:prstGeom prst="rect">
-            <a:avLst/>
-          </a:prstGeom>
-          <a:noFill/>
-          <a:ln>
-            <a:solidFill>
-              <a:schemeClr val="tx1"/>
-            </a:solidFill>
-          </a:ln>
-        </p:spPr>
-        <p:style>
-          <a:lnRef idx="2">
-            <a:schemeClr val="accent1">
-              <a:shade val="50000"/>
-            </a:schemeClr>
-          </a:lnRef>
-          <a:fillRef idx="1">
-            <a:schemeClr val="accent1"/>
-          </a:fillRef>
-          <a:effectRef idx="0">
-            <a:schemeClr val="accent1"/>
-          </a:effectRef>
-          <a:fontRef idx="minor">
-            <a:schemeClr val="lt1"/>
-          </a:fontRef>
-        </p:style>
-        <p:txBody>
-          <a:bodyPr rtlCol="0" anchor="ctr"/>
-          <a:lstStyle/>
-          <a:p>
-            <a:pPr algn="ctr"/>
-            <a:r>
-              <a:rPr lang="en-US" sz="3200" dirty="0" smtClean="0">
-                <a:solidFill>
-                  <a:schemeClr val="tx1"/>
-                </a:solidFill>
-                <a:sym typeface="Wingdings"/>
-              </a:rPr>
-              <a:t>4</a:t>
-            </a:r>
-            <a:endParaRPr lang="en-US" sz="3200" dirty="0">
-              <a:solidFill>
-                <a:schemeClr val="tx1"/>
-              </a:solidFill>
-            </a:endParaRPr>
-          </a:p>
-        </p:txBody>
-      </p:sp>
-      <p:sp>
-        <p:nvSpPr>
-          <p:cNvPr id="31" name="Rectangle 30"/>
-          <p:cNvSpPr/>
-          <p:nvPr/>
-        </p:nvSpPr>
-        <p:spPr>
-          <a:xfrm>
-            <a:off x="1066800" y="7467600"/>
-            <a:ext cx="5791200" cy="1066800"/>
-          </a:xfrm>
-          <a:prstGeom prst="rect">
-            <a:avLst/>
-          </a:prstGeom>
-          <a:noFill/>
-          <a:ln>
-            <a:solidFill>
-              <a:schemeClr val="tx1"/>
-            </a:solidFill>
-          </a:ln>
-        </p:spPr>
-        <p:style>
-          <a:lnRef idx="2">
-            <a:schemeClr val="accent1">
-              <a:shade val="50000"/>
-            </a:schemeClr>
-          </a:lnRef>
-          <a:fillRef idx="1">
-            <a:schemeClr val="accent1"/>
-          </a:fillRef>
-          <a:effectRef idx="0">
-            <a:schemeClr val="accent1"/>
-          </a:effectRef>
-          <a:fontRef idx="minor">
-            <a:schemeClr val="lt1"/>
-          </a:fontRef>
-        </p:style>
-        <p:txBody>
-          <a:bodyPr rtlCol="0" anchor="ctr"/>
-          <a:lstStyle/>
-          <a:p>
-            <a:r>
-              <a:rPr lang="en-US" sz="3200" dirty="0" smtClean="0">
-                <a:solidFill>
-                  <a:schemeClr val="tx1"/>
-                </a:solidFill>
-              </a:rPr>
-              <a:t>Song 8</a:t>
-            </a:r>
-            <a:endParaRPr lang="en-US" sz="3200" dirty="0">
-              <a:solidFill>
-                <a:schemeClr val="tx1"/>
-              </a:solidFill>
-            </a:endParaRPr>
-          </a:p>
-        </p:txBody>
-      </p:sp>
-      <p:sp>
-        <p:nvSpPr>
-          <p:cNvPr id="32" name="Rectangle 31"/>
-          <p:cNvSpPr/>
-          <p:nvPr/>
-        </p:nvSpPr>
-        <p:spPr>
-          <a:xfrm>
-            <a:off x="0" y="8534400"/>
-            <a:ext cx="1066800" cy="1066800"/>
-          </a:xfrm>
-          <a:prstGeom prst="rect">
-            <a:avLst/>
-          </a:prstGeom>
-          <a:noFill/>
-          <a:ln>
-            <a:solidFill>
-              <a:schemeClr val="tx1"/>
-            </a:solidFill>
-          </a:ln>
-        </p:spPr>
-        <p:style>
-          <a:lnRef idx="2">
-            <a:schemeClr val="accent1">
-              <a:shade val="50000"/>
-            </a:schemeClr>
-          </a:lnRef>
-          <a:fillRef idx="1">
-            <a:schemeClr val="accent1"/>
-          </a:fillRef>
-          <a:effectRef idx="0">
-            <a:schemeClr val="accent1"/>
-          </a:effectRef>
-          <a:fontRef idx="minor">
-            <a:schemeClr val="lt1"/>
-          </a:fontRef>
-        </p:style>
-        <p:txBody>
-          <a:bodyPr rtlCol="0" anchor="ctr"/>
-          <a:lstStyle/>
-          <a:p>
-            <a:pPr algn="ctr"/>
-            <a:r>
-              <a:rPr lang="en-US" sz="3200" dirty="0" smtClean="0">
-                <a:solidFill>
-                  <a:schemeClr val="tx1"/>
-                </a:solidFill>
-                <a:sym typeface="Wingdings"/>
-              </a:rPr>
-              <a:t>11</a:t>
-            </a:r>
-            <a:endParaRPr lang="en-US" sz="3200" dirty="0">
-              <a:solidFill>
-                <a:schemeClr val="tx1"/>
-              </a:solidFill>
-            </a:endParaRPr>
-          </a:p>
-        </p:txBody>
-      </p:sp>
-      <p:sp>
-        <p:nvSpPr>
-          <p:cNvPr id="33" name="Rectangle 32"/>
           <p:cNvSpPr/>
           <p:nvPr/>
         </p:nvSpPr>
@@ -5585,24 +4434,18 @@
       </p:sp>
       <p:sp>
         <p:nvSpPr>
-          <p:cNvPr id="21" name="Rectangle 20"/>
+          <p:cNvPr id="17" name="Rectangle 16"/>
           <p:cNvSpPr/>
           <p:nvPr/>
         </p:nvSpPr>
         <p:spPr>
           <a:xfrm>
-            <a:off x="5791200" y="0"/>
-            <a:ext cx="1066800" cy="1066800"/>
+            <a:off x="6032500" y="1676400"/>
+            <a:ext cx="762000" cy="609600"/>
           </a:xfrm>
           <a:prstGeom prst="rect">
             <a:avLst/>
           </a:prstGeom>
-          <a:noFill/>
-          <a:ln>
-            <a:solidFill>
-              <a:schemeClr val="tx1"/>
-            </a:solidFill>
-          </a:ln>
         </p:spPr>
         <p:style>
           <a:lnRef idx="2">
@@ -5626,42 +4469,27 @@
           <a:p>
             <a:pPr algn="ctr"/>
             <a:r>
-              <a:rPr lang="en-US" sz="3200" dirty="0" smtClean="0">
-                <a:solidFill>
-                  <a:schemeClr val="tx1"/>
-                </a:solidFill>
-                <a:sym typeface="Wingdings"/>
-              </a:rPr>
-              <a:t>0</a:t>
-            </a:r>
-            <a:endParaRPr lang="en-US" sz="3200" dirty="0">
-              <a:solidFill>
-                <a:schemeClr val="tx1"/>
-              </a:solidFill>
-            </a:endParaRPr>
-          </a:p>
-        </p:txBody>
-      </p:sp>
-      <p:sp>
-        <p:nvSpPr>
-          <p:cNvPr id="22" name="Rectangle 21"/>
+              <a:rPr lang="en-US" dirty="0" smtClean="0"/>
+              <a:t>Down</a:t>
+            </a:r>
+            <a:endParaRPr lang="en-US" dirty="0"/>
+          </a:p>
+        </p:txBody>
+      </p:sp>
+      <p:sp>
+        <p:nvSpPr>
+          <p:cNvPr id="18" name="Rectangle 17"/>
           <p:cNvSpPr/>
           <p:nvPr/>
         </p:nvSpPr>
         <p:spPr>
           <a:xfrm>
-            <a:off x="5791200" y="1066800"/>
-            <a:ext cx="1066800" cy="1066800"/>
+            <a:off x="5334000" y="1676400"/>
+            <a:ext cx="698500" cy="609600"/>
           </a:xfrm>
           <a:prstGeom prst="rect">
             <a:avLst/>
           </a:prstGeom>
-          <a:noFill/>
-          <a:ln>
-            <a:solidFill>
-              <a:schemeClr val="tx1"/>
-            </a:solidFill>
-          </a:ln>
         </p:spPr>
         <p:style>
           <a:lnRef idx="2">
@@ -5685,439 +4513,108 @@
           <a:p>
             <a:pPr algn="ctr"/>
             <a:r>
-              <a:rPr lang="en-US" sz="3200" dirty="0" smtClean="0">
-                <a:solidFill>
-                  <a:schemeClr val="tx1"/>
-                </a:solidFill>
-                <a:sym typeface="Wingdings"/>
-              </a:rPr>
-              <a:t>3</a:t>
-            </a:r>
-            <a:endParaRPr lang="en-US" sz="3200" dirty="0">
-              <a:solidFill>
-                <a:schemeClr val="tx1"/>
-              </a:solidFill>
-            </a:endParaRPr>
-          </a:p>
-        </p:txBody>
-      </p:sp>
-      <p:sp>
-        <p:nvSpPr>
-          <p:cNvPr id="34" name="Rectangle 33"/>
+              <a:rPr lang="en-US" dirty="0" smtClean="0"/>
+              <a:t>Up</a:t>
+            </a:r>
+            <a:endParaRPr lang="en-US" dirty="0"/>
+          </a:p>
+        </p:txBody>
+      </p:sp>
+      <p:sp>
+        <p:nvSpPr>
+          <p:cNvPr id="2" name="Rectangle 1"/>
           <p:cNvSpPr/>
           <p:nvPr/>
         </p:nvSpPr>
         <p:spPr>
           <a:xfrm>
-            <a:off x="5791200" y="2133600"/>
-            <a:ext cx="1066800" cy="1066800"/>
+            <a:off x="4098911" y="1796534"/>
+            <a:ext cx="1216039" cy="369332"/>
           </a:xfrm>
           <a:prstGeom prst="rect">
             <a:avLst/>
           </a:prstGeom>
-          <a:noFill/>
-          <a:ln>
-            <a:solidFill>
-              <a:schemeClr val="tx1"/>
-            </a:solidFill>
-          </a:ln>
-        </p:spPr>
-        <p:style>
-          <a:lnRef idx="2">
-            <a:schemeClr val="accent1">
-              <a:shade val="50000"/>
-            </a:schemeClr>
-          </a:lnRef>
-          <a:fillRef idx="1">
-            <a:schemeClr val="accent1"/>
-          </a:fillRef>
-          <a:effectRef idx="0">
-            <a:schemeClr val="accent1"/>
-          </a:effectRef>
-          <a:fontRef idx="minor">
-            <a:schemeClr val="lt1"/>
-          </a:fontRef>
-        </p:style>
-        <p:txBody>
-          <a:bodyPr rtlCol="0" anchor="ctr"/>
-          <a:lstStyle/>
-          <a:p>
-            <a:pPr algn="ctr"/>
-            <a:r>
-              <a:rPr lang="en-US" sz="3200" dirty="0" smtClean="0">
-                <a:solidFill>
-                  <a:schemeClr val="tx1"/>
-                </a:solidFill>
-                <a:sym typeface="Wingdings"/>
-              </a:rPr>
-              <a:t>0</a:t>
-            </a:r>
-            <a:endParaRPr lang="en-US" sz="3200" dirty="0">
-              <a:solidFill>
-                <a:schemeClr val="tx1"/>
-              </a:solidFill>
-            </a:endParaRPr>
-          </a:p>
-        </p:txBody>
-      </p:sp>
-      <p:sp>
-        <p:nvSpPr>
-          <p:cNvPr id="35" name="Rectangle 34"/>
+        </p:spPr>
+        <p:txBody>
+          <a:bodyPr wrap="none">
+            <a:spAutoFit/>
+          </a:bodyPr>
+          <a:lstStyle/>
+          <a:p>
+            <a:r>
+              <a:rPr lang="en-US" dirty="0" err="1" smtClean="0"/>
+              <a:t>Num</a:t>
+            </a:r>
+            <a:r>
+              <a:rPr lang="en-US" dirty="0" smtClean="0"/>
+              <a:t> Votes</a:t>
+            </a:r>
+            <a:endParaRPr lang="en-US" dirty="0"/>
+          </a:p>
+        </p:txBody>
+      </p:sp>
+      <p:sp>
+        <p:nvSpPr>
+          <p:cNvPr id="19" name="Rectangle 18"/>
           <p:cNvSpPr/>
           <p:nvPr/>
         </p:nvSpPr>
         <p:spPr>
           <a:xfrm>
-            <a:off x="5791200" y="3200400"/>
-            <a:ext cx="1066800" cy="1066800"/>
+            <a:off x="2971800" y="625118"/>
+            <a:ext cx="915635" cy="584775"/>
           </a:xfrm>
           <a:prstGeom prst="rect">
             <a:avLst/>
           </a:prstGeom>
-          <a:noFill/>
-          <a:ln>
-            <a:solidFill>
-              <a:schemeClr val="tx1"/>
-            </a:solidFill>
-          </a:ln>
-        </p:spPr>
-        <p:style>
-          <a:lnRef idx="2">
-            <a:schemeClr val="accent1">
-              <a:shade val="50000"/>
-            </a:schemeClr>
-          </a:lnRef>
-          <a:fillRef idx="1">
-            <a:schemeClr val="accent1"/>
-          </a:fillRef>
-          <a:effectRef idx="0">
-            <a:schemeClr val="accent1"/>
-          </a:effectRef>
-          <a:fontRef idx="minor">
-            <a:schemeClr val="lt1"/>
-          </a:fontRef>
-        </p:style>
-        <p:txBody>
-          <a:bodyPr rtlCol="0" anchor="ctr"/>
-          <a:lstStyle/>
-          <a:p>
-            <a:pPr algn="ctr"/>
-            <a:r>
-              <a:rPr lang="en-US" sz="3200" dirty="0" smtClean="0">
-                <a:solidFill>
-                  <a:schemeClr val="tx1"/>
-                </a:solidFill>
-                <a:sym typeface="Wingdings"/>
-              </a:rPr>
-              <a:t>1</a:t>
-            </a:r>
-            <a:endParaRPr lang="en-US" sz="3200" dirty="0">
-              <a:solidFill>
-                <a:schemeClr val="tx1"/>
-              </a:solidFill>
-            </a:endParaRPr>
-          </a:p>
-        </p:txBody>
-      </p:sp>
-      <p:sp>
-        <p:nvSpPr>
-          <p:cNvPr id="36" name="Rectangle 35"/>
+        </p:spPr>
+        <p:txBody>
+          <a:bodyPr wrap="none">
+            <a:spAutoFit/>
+          </a:bodyPr>
+          <a:lstStyle/>
+          <a:p>
+            <a:r>
+              <a:rPr lang="en-US" sz="3200" dirty="0" smtClean="0"/>
+              <a:t>Title</a:t>
+            </a:r>
+            <a:endParaRPr lang="en-US" dirty="0"/>
+          </a:p>
+        </p:txBody>
+      </p:sp>
+      <p:sp>
+        <p:nvSpPr>
+          <p:cNvPr id="20" name="Rectangle 19"/>
           <p:cNvSpPr/>
           <p:nvPr/>
         </p:nvSpPr>
         <p:spPr>
           <a:xfrm>
-            <a:off x="5791200" y="4267200"/>
-            <a:ext cx="1066800" cy="1066800"/>
+            <a:off x="3083072" y="1126332"/>
+            <a:ext cx="691856" cy="369332"/>
           </a:xfrm>
           <a:prstGeom prst="rect">
             <a:avLst/>
           </a:prstGeom>
-          <a:noFill/>
-          <a:ln>
-            <a:solidFill>
-              <a:schemeClr val="tx1"/>
-            </a:solidFill>
-          </a:ln>
-        </p:spPr>
-        <p:style>
-          <a:lnRef idx="2">
-            <a:schemeClr val="accent1">
-              <a:shade val="50000"/>
-            </a:schemeClr>
-          </a:lnRef>
-          <a:fillRef idx="1">
-            <a:schemeClr val="accent1"/>
-          </a:fillRef>
-          <a:effectRef idx="0">
-            <a:schemeClr val="accent1"/>
-          </a:effectRef>
-          <a:fontRef idx="minor">
-            <a:schemeClr val="lt1"/>
-          </a:fontRef>
-        </p:style>
-        <p:txBody>
-          <a:bodyPr rtlCol="0" anchor="ctr"/>
-          <a:lstStyle/>
-          <a:p>
-            <a:pPr algn="ctr"/>
-            <a:r>
-              <a:rPr lang="en-US" sz="3200" dirty="0" smtClean="0">
-                <a:solidFill>
-                  <a:schemeClr val="tx1"/>
-                </a:solidFill>
-                <a:sym typeface="Wingdings"/>
-              </a:rPr>
-              <a:t>3</a:t>
-            </a:r>
-            <a:endParaRPr lang="en-US" sz="3200" dirty="0">
-              <a:solidFill>
-                <a:schemeClr val="tx1"/>
-              </a:solidFill>
-            </a:endParaRPr>
-          </a:p>
-        </p:txBody>
-      </p:sp>
-      <p:sp>
-        <p:nvSpPr>
-          <p:cNvPr id="37" name="Rectangle 36"/>
-          <p:cNvSpPr/>
-          <p:nvPr/>
-        </p:nvSpPr>
-        <p:spPr>
-          <a:xfrm>
-            <a:off x="5791200" y="5334000"/>
-            <a:ext cx="1066800" cy="1066800"/>
-          </a:xfrm>
-          <a:prstGeom prst="rect">
-            <a:avLst/>
-          </a:prstGeom>
-          <a:noFill/>
-          <a:ln>
-            <a:solidFill>
-              <a:schemeClr val="tx1"/>
-            </a:solidFill>
-          </a:ln>
-        </p:spPr>
-        <p:style>
-          <a:lnRef idx="2">
-            <a:schemeClr val="accent1">
-              <a:shade val="50000"/>
-            </a:schemeClr>
-          </a:lnRef>
-          <a:fillRef idx="1">
-            <a:schemeClr val="accent1"/>
-          </a:fillRef>
-          <a:effectRef idx="0">
-            <a:schemeClr val="accent1"/>
-          </a:effectRef>
-          <a:fontRef idx="minor">
-            <a:schemeClr val="lt1"/>
-          </a:fontRef>
-        </p:style>
-        <p:txBody>
-          <a:bodyPr rtlCol="0" anchor="ctr"/>
-          <a:lstStyle/>
-          <a:p>
-            <a:pPr algn="ctr"/>
-            <a:r>
-              <a:rPr lang="en-US" sz="3200" dirty="0" smtClean="0">
-                <a:solidFill>
-                  <a:schemeClr val="tx1"/>
-                </a:solidFill>
-                <a:sym typeface="Wingdings"/>
-              </a:rPr>
-              <a:t>2</a:t>
-            </a:r>
-            <a:endParaRPr lang="en-US" sz="3200" dirty="0">
-              <a:solidFill>
-                <a:schemeClr val="tx1"/>
-              </a:solidFill>
-            </a:endParaRPr>
-          </a:p>
-        </p:txBody>
-      </p:sp>
-      <p:sp>
-        <p:nvSpPr>
-          <p:cNvPr id="38" name="Rectangle 37"/>
-          <p:cNvSpPr/>
-          <p:nvPr/>
-        </p:nvSpPr>
-        <p:spPr>
-          <a:xfrm>
-            <a:off x="5791200" y="6400800"/>
-            <a:ext cx="1066800" cy="1066800"/>
-          </a:xfrm>
-          <a:prstGeom prst="rect">
-            <a:avLst/>
-          </a:prstGeom>
-          <a:noFill/>
-          <a:ln>
-            <a:solidFill>
-              <a:schemeClr val="tx1"/>
-            </a:solidFill>
-          </a:ln>
-        </p:spPr>
-        <p:style>
-          <a:lnRef idx="2">
-            <a:schemeClr val="accent1">
-              <a:shade val="50000"/>
-            </a:schemeClr>
-          </a:lnRef>
-          <a:fillRef idx="1">
-            <a:schemeClr val="accent1"/>
-          </a:fillRef>
-          <a:effectRef idx="0">
-            <a:schemeClr val="accent1"/>
-          </a:effectRef>
-          <a:fontRef idx="minor">
-            <a:schemeClr val="lt1"/>
-          </a:fontRef>
-        </p:style>
-        <p:txBody>
-          <a:bodyPr rtlCol="0" anchor="ctr"/>
-          <a:lstStyle/>
-          <a:p>
-            <a:pPr algn="ctr"/>
-            <a:r>
-              <a:rPr lang="en-US" sz="3200" dirty="0" smtClean="0">
-                <a:solidFill>
-                  <a:schemeClr val="tx1"/>
-                </a:solidFill>
-                <a:sym typeface="Wingdings"/>
-              </a:rPr>
-              <a:t>10</a:t>
-            </a:r>
-            <a:endParaRPr lang="en-US" sz="3200" dirty="0">
-              <a:solidFill>
-                <a:schemeClr val="tx1"/>
-              </a:solidFill>
-            </a:endParaRPr>
-          </a:p>
-        </p:txBody>
-      </p:sp>
-      <p:sp>
-        <p:nvSpPr>
-          <p:cNvPr id="39" name="Rectangle 38"/>
-          <p:cNvSpPr/>
-          <p:nvPr/>
-        </p:nvSpPr>
-        <p:spPr>
-          <a:xfrm>
-            <a:off x="5791200" y="7467600"/>
-            <a:ext cx="1066800" cy="1066800"/>
-          </a:xfrm>
-          <a:prstGeom prst="rect">
-            <a:avLst/>
-          </a:prstGeom>
-          <a:noFill/>
-          <a:ln>
-            <a:solidFill>
-              <a:schemeClr val="tx1"/>
-            </a:solidFill>
-          </a:ln>
-        </p:spPr>
-        <p:style>
-          <a:lnRef idx="2">
-            <a:schemeClr val="accent1">
-              <a:shade val="50000"/>
-            </a:schemeClr>
-          </a:lnRef>
-          <a:fillRef idx="1">
-            <a:schemeClr val="accent1"/>
-          </a:fillRef>
-          <a:effectRef idx="0">
-            <a:schemeClr val="accent1"/>
-          </a:effectRef>
-          <a:fontRef idx="minor">
-            <a:schemeClr val="lt1"/>
-          </a:fontRef>
-        </p:style>
-        <p:txBody>
-          <a:bodyPr rtlCol="0" anchor="ctr"/>
-          <a:lstStyle/>
-          <a:p>
-            <a:pPr algn="ctr"/>
-            <a:r>
-              <a:rPr lang="en-US" sz="3200" dirty="0" smtClean="0">
-                <a:solidFill>
-                  <a:schemeClr val="tx1"/>
-                </a:solidFill>
-                <a:sym typeface="Wingdings"/>
-              </a:rPr>
-              <a:t>4</a:t>
-            </a:r>
-            <a:endParaRPr lang="en-US" sz="3200" dirty="0">
-              <a:solidFill>
-                <a:schemeClr val="tx1"/>
-              </a:solidFill>
-            </a:endParaRPr>
-          </a:p>
-        </p:txBody>
-      </p:sp>
-      <p:sp>
-        <p:nvSpPr>
-          <p:cNvPr id="40" name="Rectangle 39"/>
-          <p:cNvSpPr/>
-          <p:nvPr/>
-        </p:nvSpPr>
-        <p:spPr>
-          <a:xfrm>
-            <a:off x="5791200" y="8534400"/>
-            <a:ext cx="1066800" cy="1066800"/>
-          </a:xfrm>
-          <a:prstGeom prst="rect">
-            <a:avLst/>
-          </a:prstGeom>
-          <a:noFill/>
-          <a:ln>
-            <a:solidFill>
-              <a:schemeClr val="tx1"/>
-            </a:solidFill>
-          </a:ln>
-        </p:spPr>
-        <p:style>
-          <a:lnRef idx="2">
-            <a:schemeClr val="accent1">
-              <a:shade val="50000"/>
-            </a:schemeClr>
-          </a:lnRef>
-          <a:fillRef idx="1">
-            <a:schemeClr val="accent1"/>
-          </a:fillRef>
-          <a:effectRef idx="0">
-            <a:schemeClr val="accent1"/>
-          </a:effectRef>
-          <a:fontRef idx="minor">
-            <a:schemeClr val="lt1"/>
-          </a:fontRef>
-        </p:style>
-        <p:txBody>
-          <a:bodyPr rtlCol="0" anchor="ctr"/>
-          <a:lstStyle/>
-          <a:p>
-            <a:pPr algn="ctr"/>
-            <a:r>
-              <a:rPr lang="en-US" sz="3200" dirty="0" smtClean="0">
-                <a:solidFill>
-                  <a:schemeClr val="tx1"/>
-                </a:solidFill>
-                <a:sym typeface="Wingdings"/>
-              </a:rPr>
-              <a:t>11</a:t>
-            </a:r>
-            <a:endParaRPr lang="en-US" sz="3200" dirty="0">
-              <a:solidFill>
-                <a:schemeClr val="tx1"/>
-              </a:solidFill>
-            </a:endParaRPr>
+        </p:spPr>
+        <p:txBody>
+          <a:bodyPr wrap="none">
+            <a:spAutoFit/>
+          </a:bodyPr>
+          <a:lstStyle/>
+          <a:p>
+            <a:r>
+              <a:rPr lang="en-US" dirty="0" smtClean="0"/>
+              <a:t>Artist</a:t>
+            </a:r>
+            <a:endParaRPr lang="en-US" dirty="0"/>
           </a:p>
         </p:txBody>
       </p:sp>
     </p:spTree>
     <p:extLst>
       <p:ext uri="{BB962C8B-B14F-4D97-AF65-F5344CB8AC3E}">
-        <p14:creationId xmlns:p14="http://schemas.microsoft.com/office/powerpoint/2010/main" val="2437708932"/>
+        <p14:creationId xmlns:p14="http://schemas.microsoft.com/office/powerpoint/2010/main" val="294867727"/>
       </p:ext>
     </p:extLst>
   </p:cSld>
@@ -6146,6 +4643,702 @@
       </p:grpSpPr>
       <p:sp>
         <p:nvSpPr>
+          <p:cNvPr id="4" name="Rectangle 3"/>
+          <p:cNvSpPr/>
+          <p:nvPr/>
+        </p:nvSpPr>
+        <p:spPr>
+          <a:xfrm>
+            <a:off x="1066800" y="2286000"/>
+            <a:ext cx="5791200" cy="1066800"/>
+          </a:xfrm>
+          <a:prstGeom prst="rect">
+            <a:avLst/>
+          </a:prstGeom>
+          <a:noFill/>
+          <a:ln>
+            <a:solidFill>
+              <a:schemeClr val="tx1"/>
+            </a:solidFill>
+          </a:ln>
+        </p:spPr>
+        <p:style>
+          <a:lnRef idx="2">
+            <a:schemeClr val="accent1">
+              <a:shade val="50000"/>
+            </a:schemeClr>
+          </a:lnRef>
+          <a:fillRef idx="1">
+            <a:schemeClr val="accent1"/>
+          </a:fillRef>
+          <a:effectRef idx="0">
+            <a:schemeClr val="accent1"/>
+          </a:effectRef>
+          <a:fontRef idx="minor">
+            <a:schemeClr val="lt1"/>
+          </a:fontRef>
+        </p:style>
+        <p:txBody>
+          <a:bodyPr rtlCol="0" anchor="ctr"/>
+          <a:lstStyle/>
+          <a:p>
+            <a:r>
+              <a:rPr lang="en-US" sz="3200" dirty="0" smtClean="0">
+                <a:solidFill>
+                  <a:schemeClr val="tx1"/>
+                </a:solidFill>
+              </a:rPr>
+              <a:t>Song 2</a:t>
+            </a:r>
+            <a:endParaRPr lang="en-US" sz="3200" dirty="0">
+              <a:solidFill>
+                <a:schemeClr val="tx1"/>
+              </a:solidFill>
+            </a:endParaRPr>
+          </a:p>
+        </p:txBody>
+      </p:sp>
+      <p:sp>
+        <p:nvSpPr>
+          <p:cNvPr id="6" name="Rectangle 5"/>
+          <p:cNvSpPr/>
+          <p:nvPr/>
+        </p:nvSpPr>
+        <p:spPr>
+          <a:xfrm>
+            <a:off x="0" y="1219200"/>
+            <a:ext cx="1066800" cy="1066800"/>
+          </a:xfrm>
+          <a:prstGeom prst="rect">
+            <a:avLst/>
+          </a:prstGeom>
+          <a:noFill/>
+          <a:ln>
+            <a:solidFill>
+              <a:schemeClr val="tx1"/>
+            </a:solidFill>
+          </a:ln>
+        </p:spPr>
+        <p:style>
+          <a:lnRef idx="2">
+            <a:schemeClr val="accent1">
+              <a:shade val="50000"/>
+            </a:schemeClr>
+          </a:lnRef>
+          <a:fillRef idx="1">
+            <a:schemeClr val="accent1"/>
+          </a:fillRef>
+          <a:effectRef idx="0">
+            <a:schemeClr val="accent1"/>
+          </a:effectRef>
+          <a:fontRef idx="minor">
+            <a:schemeClr val="lt1"/>
+          </a:fontRef>
+        </p:style>
+        <p:txBody>
+          <a:bodyPr rtlCol="0" anchor="ctr"/>
+          <a:lstStyle/>
+          <a:p>
+            <a:pPr algn="ctr"/>
+            <a:r>
+              <a:rPr lang="en-US" sz="3200" dirty="0" smtClean="0">
+                <a:solidFill>
+                  <a:schemeClr val="tx1"/>
+                </a:solidFill>
+                <a:sym typeface="Wingdings"/>
+              </a:rPr>
+              <a:t>0</a:t>
+            </a:r>
+            <a:endParaRPr lang="en-US" sz="3200" dirty="0">
+              <a:solidFill>
+                <a:schemeClr val="tx1"/>
+              </a:solidFill>
+            </a:endParaRPr>
+          </a:p>
+        </p:txBody>
+      </p:sp>
+      <p:sp>
+        <p:nvSpPr>
+          <p:cNvPr id="9" name="Rectangle 8"/>
+          <p:cNvSpPr/>
+          <p:nvPr/>
+        </p:nvSpPr>
+        <p:spPr>
+          <a:xfrm>
+            <a:off x="1066800" y="1219200"/>
+            <a:ext cx="5791200" cy="1066800"/>
+          </a:xfrm>
+          <a:prstGeom prst="rect">
+            <a:avLst/>
+          </a:prstGeom>
+          <a:noFill/>
+          <a:ln>
+            <a:solidFill>
+              <a:schemeClr val="tx1"/>
+            </a:solidFill>
+          </a:ln>
+        </p:spPr>
+        <p:style>
+          <a:lnRef idx="2">
+            <a:schemeClr val="accent1">
+              <a:shade val="50000"/>
+            </a:schemeClr>
+          </a:lnRef>
+          <a:fillRef idx="1">
+            <a:schemeClr val="accent1"/>
+          </a:fillRef>
+          <a:effectRef idx="0">
+            <a:schemeClr val="accent1"/>
+          </a:effectRef>
+          <a:fontRef idx="minor">
+            <a:schemeClr val="lt1"/>
+          </a:fontRef>
+        </p:style>
+        <p:txBody>
+          <a:bodyPr rtlCol="0" anchor="ctr"/>
+          <a:lstStyle/>
+          <a:p>
+            <a:r>
+              <a:rPr lang="en-US" sz="3200" dirty="0" smtClean="0">
+                <a:solidFill>
+                  <a:schemeClr val="tx1"/>
+                </a:solidFill>
+              </a:rPr>
+              <a:t>Song 1</a:t>
+            </a:r>
+            <a:endParaRPr lang="en-US" sz="3200" dirty="0">
+              <a:solidFill>
+                <a:schemeClr val="tx1"/>
+              </a:solidFill>
+            </a:endParaRPr>
+          </a:p>
+        </p:txBody>
+      </p:sp>
+      <p:sp>
+        <p:nvSpPr>
+          <p:cNvPr id="10" name="Rectangle 9"/>
+          <p:cNvSpPr/>
+          <p:nvPr/>
+        </p:nvSpPr>
+        <p:spPr>
+          <a:xfrm>
+            <a:off x="0" y="2286000"/>
+            <a:ext cx="1066800" cy="1066800"/>
+          </a:xfrm>
+          <a:prstGeom prst="rect">
+            <a:avLst/>
+          </a:prstGeom>
+          <a:noFill/>
+          <a:ln>
+            <a:solidFill>
+              <a:schemeClr val="tx1"/>
+            </a:solidFill>
+          </a:ln>
+        </p:spPr>
+        <p:style>
+          <a:lnRef idx="2">
+            <a:schemeClr val="accent1">
+              <a:shade val="50000"/>
+            </a:schemeClr>
+          </a:lnRef>
+          <a:fillRef idx="1">
+            <a:schemeClr val="accent1"/>
+          </a:fillRef>
+          <a:effectRef idx="0">
+            <a:schemeClr val="accent1"/>
+          </a:effectRef>
+          <a:fontRef idx="minor">
+            <a:schemeClr val="lt1"/>
+          </a:fontRef>
+        </p:style>
+        <p:txBody>
+          <a:bodyPr rtlCol="0" anchor="ctr"/>
+          <a:lstStyle/>
+          <a:p>
+            <a:pPr algn="ctr"/>
+            <a:r>
+              <a:rPr lang="en-US" sz="3200" dirty="0" smtClean="0">
+                <a:solidFill>
+                  <a:schemeClr val="tx1"/>
+                </a:solidFill>
+                <a:sym typeface="Wingdings"/>
+              </a:rPr>
+              <a:t>3</a:t>
+            </a:r>
+            <a:endParaRPr lang="en-US" sz="3200" dirty="0">
+              <a:solidFill>
+                <a:schemeClr val="tx1"/>
+              </a:solidFill>
+            </a:endParaRPr>
+          </a:p>
+        </p:txBody>
+      </p:sp>
+      <p:sp>
+        <p:nvSpPr>
+          <p:cNvPr id="13" name="Rectangle 12"/>
+          <p:cNvSpPr/>
+          <p:nvPr/>
+        </p:nvSpPr>
+        <p:spPr>
+          <a:xfrm>
+            <a:off x="1066800" y="4419600"/>
+            <a:ext cx="5791200" cy="1066800"/>
+          </a:xfrm>
+          <a:prstGeom prst="rect">
+            <a:avLst/>
+          </a:prstGeom>
+          <a:noFill/>
+          <a:ln>
+            <a:solidFill>
+              <a:schemeClr val="tx1"/>
+            </a:solidFill>
+          </a:ln>
+        </p:spPr>
+        <p:style>
+          <a:lnRef idx="2">
+            <a:schemeClr val="accent1">
+              <a:shade val="50000"/>
+            </a:schemeClr>
+          </a:lnRef>
+          <a:fillRef idx="1">
+            <a:schemeClr val="accent1"/>
+          </a:fillRef>
+          <a:effectRef idx="0">
+            <a:schemeClr val="accent1"/>
+          </a:effectRef>
+          <a:fontRef idx="minor">
+            <a:schemeClr val="lt1"/>
+          </a:fontRef>
+        </p:style>
+        <p:txBody>
+          <a:bodyPr rtlCol="0" anchor="ctr"/>
+          <a:lstStyle/>
+          <a:p>
+            <a:r>
+              <a:rPr lang="en-US" sz="3200" dirty="0" smtClean="0">
+                <a:solidFill>
+                  <a:schemeClr val="tx1"/>
+                </a:solidFill>
+              </a:rPr>
+              <a:t>Song 4</a:t>
+            </a:r>
+            <a:endParaRPr lang="en-US" sz="3200" dirty="0">
+              <a:solidFill>
+                <a:schemeClr val="tx1"/>
+              </a:solidFill>
+            </a:endParaRPr>
+          </a:p>
+        </p:txBody>
+      </p:sp>
+      <p:sp>
+        <p:nvSpPr>
+          <p:cNvPr id="14" name="Rectangle 13"/>
+          <p:cNvSpPr/>
+          <p:nvPr/>
+        </p:nvSpPr>
+        <p:spPr>
+          <a:xfrm>
+            <a:off x="0" y="3352800"/>
+            <a:ext cx="1066800" cy="1066800"/>
+          </a:xfrm>
+          <a:prstGeom prst="rect">
+            <a:avLst/>
+          </a:prstGeom>
+          <a:noFill/>
+          <a:ln>
+            <a:solidFill>
+              <a:schemeClr val="tx1"/>
+            </a:solidFill>
+          </a:ln>
+        </p:spPr>
+        <p:style>
+          <a:lnRef idx="2">
+            <a:schemeClr val="accent1">
+              <a:shade val="50000"/>
+            </a:schemeClr>
+          </a:lnRef>
+          <a:fillRef idx="1">
+            <a:schemeClr val="accent1"/>
+          </a:fillRef>
+          <a:effectRef idx="0">
+            <a:schemeClr val="accent1"/>
+          </a:effectRef>
+          <a:fontRef idx="minor">
+            <a:schemeClr val="lt1"/>
+          </a:fontRef>
+        </p:style>
+        <p:txBody>
+          <a:bodyPr rtlCol="0" anchor="ctr"/>
+          <a:lstStyle/>
+          <a:p>
+            <a:pPr algn="ctr"/>
+            <a:r>
+              <a:rPr lang="en-US" sz="3200" dirty="0" smtClean="0">
+                <a:solidFill>
+                  <a:schemeClr val="tx1"/>
+                </a:solidFill>
+                <a:sym typeface="Wingdings"/>
+              </a:rPr>
+              <a:t>0</a:t>
+            </a:r>
+            <a:endParaRPr lang="en-US" sz="3200" dirty="0">
+              <a:solidFill>
+                <a:schemeClr val="tx1"/>
+              </a:solidFill>
+            </a:endParaRPr>
+          </a:p>
+        </p:txBody>
+      </p:sp>
+      <p:sp>
+        <p:nvSpPr>
+          <p:cNvPr id="15" name="Rectangle 14"/>
+          <p:cNvSpPr/>
+          <p:nvPr/>
+        </p:nvSpPr>
+        <p:spPr>
+          <a:xfrm>
+            <a:off x="1066800" y="3352800"/>
+            <a:ext cx="5791200" cy="1066800"/>
+          </a:xfrm>
+          <a:prstGeom prst="rect">
+            <a:avLst/>
+          </a:prstGeom>
+          <a:noFill/>
+          <a:ln>
+            <a:solidFill>
+              <a:schemeClr val="tx1"/>
+            </a:solidFill>
+          </a:ln>
+        </p:spPr>
+        <p:style>
+          <a:lnRef idx="2">
+            <a:schemeClr val="accent1">
+              <a:shade val="50000"/>
+            </a:schemeClr>
+          </a:lnRef>
+          <a:fillRef idx="1">
+            <a:schemeClr val="accent1"/>
+          </a:fillRef>
+          <a:effectRef idx="0">
+            <a:schemeClr val="accent1"/>
+          </a:effectRef>
+          <a:fontRef idx="minor">
+            <a:schemeClr val="lt1"/>
+          </a:fontRef>
+        </p:style>
+        <p:txBody>
+          <a:bodyPr rtlCol="0" anchor="ctr"/>
+          <a:lstStyle/>
+          <a:p>
+            <a:r>
+              <a:rPr lang="en-US" sz="3200" dirty="0" smtClean="0">
+                <a:solidFill>
+                  <a:schemeClr val="tx1"/>
+                </a:solidFill>
+              </a:rPr>
+              <a:t>Song 3</a:t>
+            </a:r>
+            <a:endParaRPr lang="en-US" sz="3200" dirty="0">
+              <a:solidFill>
+                <a:schemeClr val="tx1"/>
+              </a:solidFill>
+            </a:endParaRPr>
+          </a:p>
+        </p:txBody>
+      </p:sp>
+      <p:sp>
+        <p:nvSpPr>
+          <p:cNvPr id="16" name="Rectangle 15"/>
+          <p:cNvSpPr/>
+          <p:nvPr/>
+        </p:nvSpPr>
+        <p:spPr>
+          <a:xfrm>
+            <a:off x="0" y="4419600"/>
+            <a:ext cx="1066800" cy="1066800"/>
+          </a:xfrm>
+          <a:prstGeom prst="rect">
+            <a:avLst/>
+          </a:prstGeom>
+          <a:noFill/>
+          <a:ln>
+            <a:solidFill>
+              <a:schemeClr val="tx1"/>
+            </a:solidFill>
+          </a:ln>
+        </p:spPr>
+        <p:style>
+          <a:lnRef idx="2">
+            <a:schemeClr val="accent1">
+              <a:shade val="50000"/>
+            </a:schemeClr>
+          </a:lnRef>
+          <a:fillRef idx="1">
+            <a:schemeClr val="accent1"/>
+          </a:fillRef>
+          <a:effectRef idx="0">
+            <a:schemeClr val="accent1"/>
+          </a:effectRef>
+          <a:fontRef idx="minor">
+            <a:schemeClr val="lt1"/>
+          </a:fontRef>
+        </p:style>
+        <p:txBody>
+          <a:bodyPr rtlCol="0" anchor="ctr"/>
+          <a:lstStyle/>
+          <a:p>
+            <a:pPr algn="ctr"/>
+            <a:r>
+              <a:rPr lang="en-US" sz="3200" dirty="0" smtClean="0">
+                <a:solidFill>
+                  <a:schemeClr val="tx1"/>
+                </a:solidFill>
+                <a:sym typeface="Wingdings"/>
+              </a:rPr>
+              <a:t>1</a:t>
+            </a:r>
+            <a:endParaRPr lang="en-US" sz="3200" dirty="0">
+              <a:solidFill>
+                <a:schemeClr val="tx1"/>
+              </a:solidFill>
+            </a:endParaRPr>
+          </a:p>
+        </p:txBody>
+      </p:sp>
+      <p:sp>
+        <p:nvSpPr>
+          <p:cNvPr id="23" name="Rectangle 22"/>
+          <p:cNvSpPr/>
+          <p:nvPr/>
+        </p:nvSpPr>
+        <p:spPr>
+          <a:xfrm>
+            <a:off x="1066800" y="5486400"/>
+            <a:ext cx="5791200" cy="1066800"/>
+          </a:xfrm>
+          <a:prstGeom prst="rect">
+            <a:avLst/>
+          </a:prstGeom>
+          <a:noFill/>
+          <a:ln>
+            <a:solidFill>
+              <a:schemeClr val="tx1"/>
+            </a:solidFill>
+          </a:ln>
+        </p:spPr>
+        <p:style>
+          <a:lnRef idx="2">
+            <a:schemeClr val="accent1">
+              <a:shade val="50000"/>
+            </a:schemeClr>
+          </a:lnRef>
+          <a:fillRef idx="1">
+            <a:schemeClr val="accent1"/>
+          </a:fillRef>
+          <a:effectRef idx="0">
+            <a:schemeClr val="accent1"/>
+          </a:effectRef>
+          <a:fontRef idx="minor">
+            <a:schemeClr val="lt1"/>
+          </a:fontRef>
+        </p:style>
+        <p:txBody>
+          <a:bodyPr rtlCol="0" anchor="ctr"/>
+          <a:lstStyle/>
+          <a:p>
+            <a:r>
+              <a:rPr lang="en-US" sz="3200" dirty="0" smtClean="0">
+                <a:solidFill>
+                  <a:schemeClr val="tx1"/>
+                </a:solidFill>
+              </a:rPr>
+              <a:t>Song 5</a:t>
+            </a:r>
+            <a:endParaRPr lang="en-US" sz="3200" dirty="0">
+              <a:solidFill>
+                <a:schemeClr val="tx1"/>
+              </a:solidFill>
+            </a:endParaRPr>
+          </a:p>
+        </p:txBody>
+      </p:sp>
+      <p:sp>
+        <p:nvSpPr>
+          <p:cNvPr id="24" name="Rectangle 23"/>
+          <p:cNvSpPr/>
+          <p:nvPr/>
+        </p:nvSpPr>
+        <p:spPr>
+          <a:xfrm>
+            <a:off x="0" y="5486400"/>
+            <a:ext cx="1066800" cy="1066800"/>
+          </a:xfrm>
+          <a:prstGeom prst="rect">
+            <a:avLst/>
+          </a:prstGeom>
+          <a:noFill/>
+          <a:ln>
+            <a:solidFill>
+              <a:schemeClr val="tx1"/>
+            </a:solidFill>
+          </a:ln>
+        </p:spPr>
+        <p:style>
+          <a:lnRef idx="2">
+            <a:schemeClr val="accent1">
+              <a:shade val="50000"/>
+            </a:schemeClr>
+          </a:lnRef>
+          <a:fillRef idx="1">
+            <a:schemeClr val="accent1"/>
+          </a:fillRef>
+          <a:effectRef idx="0">
+            <a:schemeClr val="accent1"/>
+          </a:effectRef>
+          <a:fontRef idx="minor">
+            <a:schemeClr val="lt1"/>
+          </a:fontRef>
+        </p:style>
+        <p:txBody>
+          <a:bodyPr rtlCol="0" anchor="ctr"/>
+          <a:lstStyle/>
+          <a:p>
+            <a:pPr algn="ctr"/>
+            <a:r>
+              <a:rPr lang="en-US" sz="3200" dirty="0" smtClean="0">
+                <a:solidFill>
+                  <a:schemeClr val="tx1"/>
+                </a:solidFill>
+                <a:sym typeface="Wingdings"/>
+              </a:rPr>
+              <a:t>3</a:t>
+            </a:r>
+            <a:endParaRPr lang="en-US" sz="3200" dirty="0">
+              <a:solidFill>
+                <a:schemeClr val="tx1"/>
+              </a:solidFill>
+            </a:endParaRPr>
+          </a:p>
+        </p:txBody>
+      </p:sp>
+      <p:sp>
+        <p:nvSpPr>
+          <p:cNvPr id="26" name="Rectangle 25"/>
+          <p:cNvSpPr/>
+          <p:nvPr/>
+        </p:nvSpPr>
+        <p:spPr>
+          <a:xfrm>
+            <a:off x="0" y="6553200"/>
+            <a:ext cx="1066800" cy="1066800"/>
+          </a:xfrm>
+          <a:prstGeom prst="rect">
+            <a:avLst/>
+          </a:prstGeom>
+          <a:noFill/>
+          <a:ln>
+            <a:solidFill>
+              <a:schemeClr val="tx1"/>
+            </a:solidFill>
+          </a:ln>
+        </p:spPr>
+        <p:style>
+          <a:lnRef idx="2">
+            <a:schemeClr val="accent1">
+              <a:shade val="50000"/>
+            </a:schemeClr>
+          </a:lnRef>
+          <a:fillRef idx="1">
+            <a:schemeClr val="accent1"/>
+          </a:fillRef>
+          <a:effectRef idx="0">
+            <a:schemeClr val="accent1"/>
+          </a:effectRef>
+          <a:fontRef idx="minor">
+            <a:schemeClr val="lt1"/>
+          </a:fontRef>
+        </p:style>
+        <p:txBody>
+          <a:bodyPr rtlCol="0" anchor="ctr"/>
+          <a:lstStyle/>
+          <a:p>
+            <a:pPr algn="ctr"/>
+            <a:r>
+              <a:rPr lang="en-US" sz="3200" dirty="0" smtClean="0">
+                <a:solidFill>
+                  <a:schemeClr val="tx1"/>
+                </a:solidFill>
+                <a:sym typeface="Wingdings"/>
+              </a:rPr>
+              <a:t>2</a:t>
+            </a:r>
+            <a:endParaRPr lang="en-US" sz="3200" dirty="0">
+              <a:solidFill>
+                <a:schemeClr val="tx1"/>
+              </a:solidFill>
+            </a:endParaRPr>
+          </a:p>
+        </p:txBody>
+      </p:sp>
+      <p:sp>
+        <p:nvSpPr>
+          <p:cNvPr id="27" name="Rectangle 26"/>
+          <p:cNvSpPr/>
+          <p:nvPr/>
+        </p:nvSpPr>
+        <p:spPr>
+          <a:xfrm>
+            <a:off x="1066800" y="6553200"/>
+            <a:ext cx="5791200" cy="1066800"/>
+          </a:xfrm>
+          <a:prstGeom prst="rect">
+            <a:avLst/>
+          </a:prstGeom>
+          <a:noFill/>
+          <a:ln>
+            <a:solidFill>
+              <a:schemeClr val="tx1"/>
+            </a:solidFill>
+          </a:ln>
+        </p:spPr>
+        <p:style>
+          <a:lnRef idx="2">
+            <a:schemeClr val="accent1">
+              <a:shade val="50000"/>
+            </a:schemeClr>
+          </a:lnRef>
+          <a:fillRef idx="1">
+            <a:schemeClr val="accent1"/>
+          </a:fillRef>
+          <a:effectRef idx="0">
+            <a:schemeClr val="accent1"/>
+          </a:effectRef>
+          <a:fontRef idx="minor">
+            <a:schemeClr val="lt1"/>
+          </a:fontRef>
+        </p:style>
+        <p:txBody>
+          <a:bodyPr rtlCol="0" anchor="ctr"/>
+          <a:lstStyle/>
+          <a:p>
+            <a:r>
+              <a:rPr lang="en-US" sz="3200" dirty="0" smtClean="0">
+                <a:solidFill>
+                  <a:schemeClr val="tx1"/>
+                </a:solidFill>
+              </a:rPr>
+              <a:t>Song 6</a:t>
+            </a:r>
+            <a:endParaRPr lang="en-US" sz="3200" dirty="0">
+              <a:solidFill>
+                <a:schemeClr val="tx1"/>
+              </a:solidFill>
+            </a:endParaRPr>
+          </a:p>
+        </p:txBody>
+      </p:sp>
+      <p:sp>
+        <p:nvSpPr>
           <p:cNvPr id="33" name="Rectangle 32"/>
           <p:cNvSpPr/>
           <p:nvPr/>
@@ -6189,14 +5382,14 @@
       </p:sp>
       <p:sp>
         <p:nvSpPr>
-          <p:cNvPr id="8" name="Rectangle 7"/>
+          <p:cNvPr id="21" name="Rectangle 20"/>
           <p:cNvSpPr/>
           <p:nvPr/>
         </p:nvSpPr>
         <p:spPr>
           <a:xfrm>
-            <a:off x="0" y="594360"/>
-            <a:ext cx="6858000" cy="701040"/>
+            <a:off x="5791200" y="1219200"/>
+            <a:ext cx="1066800" cy="1066800"/>
           </a:xfrm>
           <a:prstGeom prst="rect">
             <a:avLst/>
@@ -6229,20 +5422,33 @@
           <a:lstStyle/>
           <a:p>
             <a:pPr algn="ctr"/>
-            <a:endParaRPr lang="en-US"/>
-          </a:p>
-        </p:txBody>
-      </p:sp>
-      <p:sp>
-        <p:nvSpPr>
-          <p:cNvPr id="34" name="Rectangle 33"/>
+            <a:r>
+              <a:rPr lang="en-US" sz="3200" dirty="0" smtClean="0">
+                <a:solidFill>
+                  <a:schemeClr val="tx1"/>
+                </a:solidFill>
+                <a:sym typeface="Wingdings"/>
+              </a:rPr>
+              <a:t>0</a:t>
+            </a:r>
+            <a:endParaRPr lang="en-US" sz="3200" dirty="0">
+              <a:solidFill>
+                <a:schemeClr val="tx1"/>
+              </a:solidFill>
+            </a:endParaRPr>
+          </a:p>
+        </p:txBody>
+      </p:sp>
+      <p:sp>
+        <p:nvSpPr>
+          <p:cNvPr id="22" name="Rectangle 21"/>
           <p:cNvSpPr/>
           <p:nvPr/>
         </p:nvSpPr>
         <p:spPr>
           <a:xfrm>
-            <a:off x="152400" y="792480"/>
-            <a:ext cx="304800" cy="274320"/>
+            <a:off x="5791200" y="2286000"/>
+            <a:ext cx="1066800" cy="1066800"/>
           </a:xfrm>
           <a:prstGeom prst="rect">
             <a:avLst/>
@@ -6275,50 +5481,33 @@
           <a:lstStyle/>
           <a:p>
             <a:pPr algn="ctr"/>
-            <a:endParaRPr lang="en-US"/>
-          </a:p>
-        </p:txBody>
-      </p:sp>
-      <p:sp>
-        <p:nvSpPr>
-          <p:cNvPr id="11" name="TextBox 10"/>
-          <p:cNvSpPr txBox="1"/>
-          <p:nvPr/>
-        </p:nvSpPr>
-        <p:spPr>
-          <a:xfrm>
-            <a:off x="609600" y="762000"/>
-            <a:ext cx="1952009" cy="400110"/>
-          </a:xfrm>
-          <a:prstGeom prst="rect">
-            <a:avLst/>
-          </a:prstGeom>
-          <a:noFill/>
-        </p:spPr>
-        <p:txBody>
-          <a:bodyPr wrap="none" rtlCol="0">
-            <a:spAutoFit/>
-          </a:bodyPr>
-          <a:lstStyle/>
-          <a:p>
-            <a:r>
-              <a:rPr lang="en-US" sz="2000" dirty="0" smtClean="0"/>
-              <a:t>Fade in fast track</a:t>
-            </a:r>
-            <a:endParaRPr lang="en-US" sz="2000" dirty="0"/>
-          </a:p>
-        </p:txBody>
-      </p:sp>
-      <p:sp>
-        <p:nvSpPr>
-          <p:cNvPr id="35" name="Rectangle 34"/>
+            <a:r>
+              <a:rPr lang="en-US" sz="3200" dirty="0" smtClean="0">
+                <a:solidFill>
+                  <a:schemeClr val="tx1"/>
+                </a:solidFill>
+                <a:sym typeface="Wingdings"/>
+              </a:rPr>
+              <a:t>3</a:t>
+            </a:r>
+            <a:endParaRPr lang="en-US" sz="3200" dirty="0">
+              <a:solidFill>
+                <a:schemeClr val="tx1"/>
+              </a:solidFill>
+            </a:endParaRPr>
+          </a:p>
+        </p:txBody>
+      </p:sp>
+      <p:sp>
+        <p:nvSpPr>
+          <p:cNvPr id="34" name="Rectangle 33"/>
           <p:cNvSpPr/>
           <p:nvPr/>
         </p:nvSpPr>
         <p:spPr>
           <a:xfrm>
-            <a:off x="0" y="1295400"/>
-            <a:ext cx="6858000" cy="701040"/>
+            <a:off x="5791200" y="3352800"/>
+            <a:ext cx="1066800" cy="1066800"/>
           </a:xfrm>
           <a:prstGeom prst="rect">
             <a:avLst/>
@@ -6351,20 +5540,33 @@
           <a:lstStyle/>
           <a:p>
             <a:pPr algn="ctr"/>
-            <a:endParaRPr lang="en-US"/>
-          </a:p>
-        </p:txBody>
-      </p:sp>
-      <p:sp>
-        <p:nvSpPr>
-          <p:cNvPr id="36" name="Rectangle 35"/>
+            <a:r>
+              <a:rPr lang="en-US" sz="3200" dirty="0" smtClean="0">
+                <a:solidFill>
+                  <a:schemeClr val="tx1"/>
+                </a:solidFill>
+                <a:sym typeface="Wingdings"/>
+              </a:rPr>
+              <a:t>0</a:t>
+            </a:r>
+            <a:endParaRPr lang="en-US" sz="3200" dirty="0">
+              <a:solidFill>
+                <a:schemeClr val="tx1"/>
+              </a:solidFill>
+            </a:endParaRPr>
+          </a:p>
+        </p:txBody>
+      </p:sp>
+      <p:sp>
+        <p:nvSpPr>
+          <p:cNvPr id="35" name="Rectangle 34"/>
           <p:cNvSpPr/>
           <p:nvPr/>
         </p:nvSpPr>
         <p:spPr>
           <a:xfrm>
-            <a:off x="152400" y="1493520"/>
-            <a:ext cx="304800" cy="274320"/>
+            <a:off x="5791200" y="4419600"/>
+            <a:ext cx="1066800" cy="1066800"/>
           </a:xfrm>
           <a:prstGeom prst="rect">
             <a:avLst/>
@@ -6397,50 +5599,33 @@
           <a:lstStyle/>
           <a:p>
             <a:pPr algn="ctr"/>
-            <a:endParaRPr lang="en-US"/>
-          </a:p>
-        </p:txBody>
-      </p:sp>
-      <p:sp>
-        <p:nvSpPr>
-          <p:cNvPr id="37" name="TextBox 36"/>
-          <p:cNvSpPr txBox="1"/>
-          <p:nvPr/>
-        </p:nvSpPr>
-        <p:spPr>
-          <a:xfrm>
-            <a:off x="609600" y="1463040"/>
-            <a:ext cx="5304722" cy="400110"/>
-          </a:xfrm>
-          <a:prstGeom prst="rect">
-            <a:avLst/>
-          </a:prstGeom>
-          <a:noFill/>
-        </p:spPr>
-        <p:txBody>
-          <a:bodyPr wrap="none" rtlCol="0">
-            <a:spAutoFit/>
-          </a:bodyPr>
-          <a:lstStyle/>
-          <a:p>
-            <a:r>
-              <a:rPr lang="en-US" sz="2000" dirty="0" smtClean="0"/>
-              <a:t>Pick random song from list (rather than top song)</a:t>
-            </a:r>
-            <a:endParaRPr lang="en-US" sz="2000" dirty="0"/>
-          </a:p>
-        </p:txBody>
-      </p:sp>
-      <p:sp>
-        <p:nvSpPr>
-          <p:cNvPr id="38" name="Rectangle 37"/>
+            <a:r>
+              <a:rPr lang="en-US" sz="3200" dirty="0" smtClean="0">
+                <a:solidFill>
+                  <a:schemeClr val="tx1"/>
+                </a:solidFill>
+                <a:sym typeface="Wingdings"/>
+              </a:rPr>
+              <a:t>1</a:t>
+            </a:r>
+            <a:endParaRPr lang="en-US" sz="3200" dirty="0">
+              <a:solidFill>
+                <a:schemeClr val="tx1"/>
+              </a:solidFill>
+            </a:endParaRPr>
+          </a:p>
+        </p:txBody>
+      </p:sp>
+      <p:sp>
+        <p:nvSpPr>
+          <p:cNvPr id="36" name="Rectangle 35"/>
           <p:cNvSpPr/>
           <p:nvPr/>
         </p:nvSpPr>
         <p:spPr>
           <a:xfrm>
-            <a:off x="0" y="1996440"/>
-            <a:ext cx="6858000" cy="701040"/>
+            <a:off x="5791200" y="5486400"/>
+            <a:ext cx="1066800" cy="1066800"/>
           </a:xfrm>
           <a:prstGeom prst="rect">
             <a:avLst/>
@@ -6473,20 +5658,33 @@
           <a:lstStyle/>
           <a:p>
             <a:pPr algn="ctr"/>
-            <a:endParaRPr lang="en-US"/>
-          </a:p>
-        </p:txBody>
-      </p:sp>
-      <p:sp>
-        <p:nvSpPr>
-          <p:cNvPr id="39" name="Rectangle 38"/>
+            <a:r>
+              <a:rPr lang="en-US" sz="3200" dirty="0" smtClean="0">
+                <a:solidFill>
+                  <a:schemeClr val="tx1"/>
+                </a:solidFill>
+                <a:sym typeface="Wingdings"/>
+              </a:rPr>
+              <a:t>3</a:t>
+            </a:r>
+            <a:endParaRPr lang="en-US" sz="3200" dirty="0">
+              <a:solidFill>
+                <a:schemeClr val="tx1"/>
+              </a:solidFill>
+            </a:endParaRPr>
+          </a:p>
+        </p:txBody>
+      </p:sp>
+      <p:sp>
+        <p:nvSpPr>
+          <p:cNvPr id="37" name="Rectangle 36"/>
           <p:cNvSpPr/>
           <p:nvPr/>
         </p:nvSpPr>
         <p:spPr>
           <a:xfrm>
-            <a:off x="152400" y="2194560"/>
-            <a:ext cx="304800" cy="274320"/>
+            <a:off x="5791200" y="6553200"/>
+            <a:ext cx="1066800" cy="1066800"/>
           </a:xfrm>
           <a:prstGeom prst="rect">
             <a:avLst/>
@@ -6519,124 +5717,43 @@
           <a:lstStyle/>
           <a:p>
             <a:pPr algn="ctr"/>
-            <a:endParaRPr lang="en-US"/>
-          </a:p>
-        </p:txBody>
-      </p:sp>
-      <p:sp>
-        <p:nvSpPr>
-          <p:cNvPr id="40" name="TextBox 39"/>
-          <p:cNvSpPr txBox="1"/>
+            <a:r>
+              <a:rPr lang="en-US" sz="3200" dirty="0" smtClean="0">
+                <a:solidFill>
+                  <a:schemeClr val="tx1"/>
+                </a:solidFill>
+                <a:sym typeface="Wingdings"/>
+              </a:rPr>
+              <a:t>2</a:t>
+            </a:r>
+            <a:endParaRPr lang="en-US" sz="3200" dirty="0">
+              <a:solidFill>
+                <a:schemeClr val="tx1"/>
+              </a:solidFill>
+            </a:endParaRPr>
+          </a:p>
+        </p:txBody>
+      </p:sp>
+      <p:sp>
+        <p:nvSpPr>
+          <p:cNvPr id="41" name="Rectangle 40"/>
+          <p:cNvSpPr/>
           <p:nvPr/>
         </p:nvSpPr>
         <p:spPr>
           <a:xfrm>
-            <a:off x="609600" y="2164080"/>
-            <a:ext cx="2751651" cy="400110"/>
+            <a:off x="0" y="609600"/>
+            <a:ext cx="1066800" cy="609600"/>
           </a:xfrm>
           <a:prstGeom prst="rect">
             <a:avLst/>
           </a:prstGeom>
           <a:noFill/>
-        </p:spPr>
-        <p:txBody>
-          <a:bodyPr wrap="none" rtlCol="0">
-            <a:spAutoFit/>
-          </a:bodyPr>
-          <a:lstStyle/>
-          <a:p>
-            <a:r>
-              <a:rPr lang="en-US" sz="2000" dirty="0" smtClean="0"/>
-              <a:t>Add bias to listen history</a:t>
-            </a:r>
-            <a:endParaRPr lang="en-US" sz="2000" dirty="0"/>
-          </a:p>
-        </p:txBody>
-      </p:sp>
-      <p:cxnSp>
-        <p:nvCxnSpPr>
-          <p:cNvPr id="17" name="Straight Connector 16"/>
-          <p:cNvCxnSpPr/>
-          <p:nvPr/>
-        </p:nvCxnSpPr>
-        <p:spPr>
-          <a:xfrm flipH="1">
-            <a:off x="295275" y="1463040"/>
-            <a:ext cx="314325" cy="237187"/>
-          </a:xfrm>
-          <a:prstGeom prst="line">
-            <a:avLst/>
-          </a:prstGeom>
-          <a:ln w="28575">
+          <a:ln>
             <a:solidFill>
               <a:schemeClr val="tx1"/>
             </a:solidFill>
           </a:ln>
-        </p:spPr>
-        <p:style>
-          <a:lnRef idx="1">
-            <a:schemeClr val="accent1"/>
-          </a:lnRef>
-          <a:fillRef idx="0">
-            <a:schemeClr val="accent1"/>
-          </a:fillRef>
-          <a:effectRef idx="0">
-            <a:schemeClr val="accent1"/>
-          </a:effectRef>
-          <a:fontRef idx="minor">
-            <a:schemeClr val="tx1"/>
-          </a:fontRef>
-        </p:style>
-      </p:cxnSp>
-      <p:cxnSp>
-        <p:nvCxnSpPr>
-          <p:cNvPr id="41" name="Straight Connector 40"/>
-          <p:cNvCxnSpPr/>
-          <p:nvPr/>
-        </p:nvCxnSpPr>
-        <p:spPr>
-          <a:xfrm flipH="1" flipV="1">
-            <a:off x="142875" y="1563067"/>
-            <a:ext cx="152400" cy="137160"/>
-          </a:xfrm>
-          <a:prstGeom prst="line">
-            <a:avLst/>
-          </a:prstGeom>
-          <a:ln w="28575">
-            <a:solidFill>
-              <a:schemeClr val="tx1"/>
-            </a:solidFill>
-          </a:ln>
-        </p:spPr>
-        <p:style>
-          <a:lnRef idx="1">
-            <a:schemeClr val="accent1"/>
-          </a:lnRef>
-          <a:fillRef idx="0">
-            <a:schemeClr val="accent1"/>
-          </a:fillRef>
-          <a:effectRef idx="0">
-            <a:schemeClr val="accent1"/>
-          </a:effectRef>
-          <a:fontRef idx="minor">
-            <a:schemeClr val="tx1"/>
-          </a:fontRef>
-        </p:style>
-      </p:cxnSp>
-      <p:sp>
-        <p:nvSpPr>
-          <p:cNvPr id="42" name="Rectangle 41"/>
-          <p:cNvSpPr/>
-          <p:nvPr/>
-        </p:nvSpPr>
-        <p:spPr>
-          <a:xfrm>
-            <a:off x="2286000" y="8153400"/>
-            <a:ext cx="2209800" cy="685800"/>
-          </a:xfrm>
-          <a:prstGeom prst="rect">
-            <a:avLst/>
-          </a:prstGeom>
         </p:spPr>
         <p:style>
           <a:lnRef idx="2">
@@ -6660,17 +5777,142 @@
           <a:p>
             <a:pPr algn="ctr"/>
             <a:r>
-              <a:rPr lang="en-US" sz="2800" dirty="0" smtClean="0"/>
-              <a:t>Back to Song</a:t>
-            </a:r>
-            <a:endParaRPr lang="en-US" sz="2800" dirty="0"/>
+              <a:rPr lang="en-US" sz="2800" dirty="0" smtClean="0">
+                <a:solidFill>
+                  <a:schemeClr val="tx1"/>
+                </a:solidFill>
+                <a:sym typeface="Wingdings"/>
+              </a:rPr>
+              <a:t>Votes</a:t>
+            </a:r>
+            <a:endParaRPr lang="en-US" sz="2800" dirty="0">
+              <a:solidFill>
+                <a:schemeClr val="tx1"/>
+              </a:solidFill>
+            </a:endParaRPr>
+          </a:p>
+        </p:txBody>
+      </p:sp>
+      <p:sp>
+        <p:nvSpPr>
+          <p:cNvPr id="42" name="Rectangle 41"/>
+          <p:cNvSpPr/>
+          <p:nvPr/>
+        </p:nvSpPr>
+        <p:spPr>
+          <a:xfrm>
+            <a:off x="1066800" y="609600"/>
+            <a:ext cx="5791200" cy="609600"/>
+          </a:xfrm>
+          <a:prstGeom prst="rect">
+            <a:avLst/>
+          </a:prstGeom>
+          <a:noFill/>
+          <a:ln>
+            <a:solidFill>
+              <a:schemeClr val="tx1"/>
+            </a:solidFill>
+          </a:ln>
+        </p:spPr>
+        <p:style>
+          <a:lnRef idx="2">
+            <a:schemeClr val="accent1">
+              <a:shade val="50000"/>
+            </a:schemeClr>
+          </a:lnRef>
+          <a:fillRef idx="1">
+            <a:schemeClr val="accent1"/>
+          </a:fillRef>
+          <a:effectRef idx="0">
+            <a:schemeClr val="accent1"/>
+          </a:effectRef>
+          <a:fontRef idx="minor">
+            <a:schemeClr val="lt1"/>
+          </a:fontRef>
+        </p:style>
+        <p:txBody>
+          <a:bodyPr rtlCol="0" anchor="ctr"/>
+          <a:lstStyle/>
+          <a:p>
+            <a:r>
+              <a:rPr lang="en-US" sz="3200" dirty="0" smtClean="0">
+                <a:solidFill>
+                  <a:schemeClr val="tx1"/>
+                </a:solidFill>
+              </a:rPr>
+              <a:t>Song Name</a:t>
+            </a:r>
+            <a:endParaRPr lang="en-US" sz="3200" dirty="0">
+              <a:solidFill>
+                <a:schemeClr val="tx1"/>
+              </a:solidFill>
+            </a:endParaRPr>
+          </a:p>
+        </p:txBody>
+      </p:sp>
+      <p:sp>
+        <p:nvSpPr>
+          <p:cNvPr id="43" name="Rectangle 42"/>
+          <p:cNvSpPr/>
+          <p:nvPr/>
+        </p:nvSpPr>
+        <p:spPr>
+          <a:xfrm>
+            <a:off x="5791200" y="609600"/>
+            <a:ext cx="1066800" cy="609600"/>
+          </a:xfrm>
+          <a:prstGeom prst="rect">
+            <a:avLst/>
+          </a:prstGeom>
+          <a:noFill/>
+          <a:ln>
+            <a:solidFill>
+              <a:schemeClr val="tx1"/>
+            </a:solidFill>
+          </a:ln>
+        </p:spPr>
+        <p:style>
+          <a:lnRef idx="2">
+            <a:schemeClr val="accent1">
+              <a:shade val="50000"/>
+            </a:schemeClr>
+          </a:lnRef>
+          <a:fillRef idx="1">
+            <a:schemeClr val="accent1"/>
+          </a:fillRef>
+          <a:effectRef idx="0">
+            <a:schemeClr val="accent1"/>
+          </a:effectRef>
+          <a:fontRef idx="minor">
+            <a:schemeClr val="lt1"/>
+          </a:fontRef>
+        </p:style>
+        <p:txBody>
+          <a:bodyPr rtlCol="0" anchor="ctr"/>
+          <a:lstStyle/>
+          <a:p>
+            <a:pPr algn="ctr"/>
+            <a:r>
+              <a:rPr lang="en-US" sz="3200" dirty="0" smtClean="0">
+                <a:solidFill>
+                  <a:schemeClr val="tx1"/>
+                </a:solidFill>
+                <a:sym typeface="Wingdings"/>
+              </a:rPr>
+              <a:t>Plays</a:t>
+            </a:r>
+            <a:endParaRPr lang="en-US" sz="3200" dirty="0">
+              <a:solidFill>
+                <a:schemeClr val="tx1"/>
+              </a:solidFill>
+            </a:endParaRPr>
           </a:p>
         </p:txBody>
       </p:sp>
     </p:spTree>
     <p:extLst>
       <p:ext uri="{BB962C8B-B14F-4D97-AF65-F5344CB8AC3E}">
-        <p14:creationId xmlns:p14="http://schemas.microsoft.com/office/powerpoint/2010/main" val="3700069719"/>
+        <p14:creationId xmlns:p14="http://schemas.microsoft.com/office/powerpoint/2010/main" val="2437708932"/>
       </p:ext>
     </p:extLst>
   </p:cSld>
@@ -6697,9 +5939,73 @@
           <a:chExt cx="0" cy="0"/>
         </a:xfrm>
       </p:grpSpPr>
+      <p:sp>
+        <p:nvSpPr>
+          <p:cNvPr id="19" name="TextBox 18"/>
+          <p:cNvSpPr txBox="1"/>
+          <p:nvPr/>
+        </p:nvSpPr>
+        <p:spPr>
+          <a:xfrm>
+            <a:off x="4154075" y="129401"/>
+            <a:ext cx="1771382" cy="461665"/>
+          </a:xfrm>
+          <a:prstGeom prst="rect">
+            <a:avLst/>
+          </a:prstGeom>
+          <a:noFill/>
+        </p:spPr>
+        <p:txBody>
+          <a:bodyPr wrap="none" rtlCol="0">
+            <a:spAutoFit/>
+          </a:bodyPr>
+          <a:lstStyle/>
+          <a:p>
+            <a:r>
+              <a:rPr lang="en-US" sz="2400" b="1" dirty="0" smtClean="0"/>
+              <a:t>Main Screen</a:t>
+            </a:r>
+            <a:endParaRPr lang="en-US" sz="2400" b="1" dirty="0"/>
+          </a:p>
+        </p:txBody>
+      </p:sp>
+      <p:sp>
+        <p:nvSpPr>
+          <p:cNvPr id="26" name="TextBox 25"/>
+          <p:cNvSpPr txBox="1"/>
+          <p:nvPr/>
+        </p:nvSpPr>
+        <p:spPr>
+          <a:xfrm>
+            <a:off x="250594" y="8530605"/>
+            <a:ext cx="2491003" cy="461665"/>
+          </a:xfrm>
+          <a:prstGeom prst="rect">
+            <a:avLst/>
+          </a:prstGeom>
+          <a:noFill/>
+        </p:spPr>
+        <p:txBody>
+          <a:bodyPr wrap="none" rtlCol="0">
+            <a:spAutoFit/>
+          </a:bodyPr>
+          <a:lstStyle/>
+          <a:p>
+            <a:r>
+              <a:rPr lang="en-US" sz="2400" b="1" dirty="0" smtClean="0"/>
+              <a:t>Popular </a:t>
+            </a:r>
+            <a:r>
+              <a:rPr lang="en-US" sz="2400" b="1" dirty="0" smtClean="0"/>
+              <a:t>Songs List</a:t>
+            </a:r>
+            <a:endParaRPr lang="en-US" sz="2400" b="1" dirty="0"/>
+          </a:p>
+        </p:txBody>
+      </p:sp>
       <p:pic>
         <p:nvPicPr>
-          <p:cNvPr id="1026" name="Picture 2" descr="C:\Users\Student\Documents\GitHub\MobileDev\Wireframe1\Slide1.PNG"/>
+          <p:cNvPr id="1030" name="Picture 6" descr="C:\Users\Student\Documents\GitHub\MobileDev\Wireframe2\Slide1.PNG"/>
           <p:cNvPicPr>
             <a:picLocks noChangeAspect="1" noChangeArrowheads="1"/>
           </p:cNvPicPr>
@@ -6720,8 +6026,8 @@
         </p:blipFill>
         <p:spPr bwMode="auto">
           <a:xfrm>
-            <a:off x="429119" y="574138"/>
-            <a:ext cx="2533354" cy="3378001"/>
+            <a:off x="250594" y="709399"/>
+            <a:ext cx="2533650" cy="3378396"/>
           </a:xfrm>
           <a:prstGeom prst="rect">
             <a:avLst/>
@@ -6749,7 +6055,7 @@
       </p:pic>
       <p:pic>
         <p:nvPicPr>
-          <p:cNvPr id="1027" name="Picture 3" descr="C:\Users\Student\Documents\GitHub\MobileDev\Wireframe1\Slide2.PNG"/>
+          <p:cNvPr id="1031" name="Picture 7" descr="C:\Users\Student\Documents\GitHub\MobileDev\Wireframe2\Slide2.PNG"/>
           <p:cNvPicPr>
             <a:picLocks noChangeAspect="1" noChangeArrowheads="1"/>
           </p:cNvPicPr>
@@ -6770,8 +6076,8 @@
         </p:blipFill>
         <p:spPr bwMode="auto">
           <a:xfrm>
-            <a:off x="494471" y="5588099"/>
-            <a:ext cx="2533354" cy="3378001"/>
+            <a:off x="3772941" y="762000"/>
+            <a:ext cx="2533650" cy="3378396"/>
           </a:xfrm>
           <a:prstGeom prst="rect">
             <a:avLst/>
@@ -6799,7 +6105,7 @@
       </p:pic>
       <p:pic>
         <p:nvPicPr>
-          <p:cNvPr id="1029" name="Picture 5" descr="C:\Users\Student\Documents\GitHub\MobileDev\Wireframe1\Slide3.PNG"/>
+          <p:cNvPr id="1032" name="Picture 8" descr="C:\Users\Student\Documents\GitHub\MobileDev\Wireframe2\Slide3.PNG"/>
           <p:cNvPicPr>
             <a:picLocks noChangeAspect="1" noChangeArrowheads="1"/>
           </p:cNvPicPr>
@@ -6820,8 +6126,8 @@
         </p:blipFill>
         <p:spPr bwMode="auto">
           <a:xfrm>
-            <a:off x="3886200" y="3175028"/>
-            <a:ext cx="2532512" cy="3376879"/>
+            <a:off x="3870535" y="4876800"/>
+            <a:ext cx="2533650" cy="3378396"/>
           </a:xfrm>
           <a:prstGeom prst="rect">
             <a:avLst/>
@@ -6847,16 +6153,130 @@
           </a:extLst>
         </p:spPr>
       </p:pic>
+      <p:pic>
+        <p:nvPicPr>
+          <p:cNvPr id="1033" name="Picture 9" descr="C:\Users\Student\Documents\GitHub\MobileDev\Wireframe2\Slide4.PNG"/>
+          <p:cNvPicPr>
+            <a:picLocks noChangeAspect="1" noChangeArrowheads="1"/>
+          </p:cNvPicPr>
+          <p:nvPr/>
+        </p:nvPicPr>
+        <p:blipFill>
+          <a:blip r:embed="rId5" cstate="print">
+            <a:extLst>
+              <a:ext uri="{28A0092B-C50C-407E-A947-70E740481C1C}">
+                <a14:useLocalDpi xmlns:a14="http://schemas.microsoft.com/office/drawing/2010/main" val="0"/>
+              </a:ext>
+            </a:extLst>
+          </a:blip>
+          <a:srcRect/>
+          <a:stretch>
+            <a:fillRect/>
+          </a:stretch>
+        </p:blipFill>
+        <p:spPr bwMode="auto">
+          <a:xfrm>
+            <a:off x="229271" y="4915319"/>
+            <a:ext cx="2533650" cy="3378396"/>
+          </a:xfrm>
+          <a:prstGeom prst="rect">
+            <a:avLst/>
+          </a:prstGeom>
+          <a:ln>
+            <a:noFill/>
+          </a:ln>
+          <a:effectLst>
+            <a:outerShdw blurRad="292100" dist="139700" dir="2700000" algn="tl" rotWithShape="0">
+              <a:srgbClr val="333333">
+                <a:alpha val="65000"/>
+              </a:srgbClr>
+            </a:outerShdw>
+          </a:effectLst>
+          <a:extLst>
+            <a:ext uri="{909E8E84-426E-40DD-AFC4-6F175D3DCCD1}">
+              <a14:hiddenFill xmlns:a14="http://schemas.microsoft.com/office/drawing/2010/main">
+                <a:solidFill>
+                  <a:srgbClr val="FFFFFF"/>
+                </a:solidFill>
+              </a14:hiddenFill>
+            </a:ext>
+          </a:extLst>
+        </p:spPr>
+      </p:pic>
+      <p:sp>
+        <p:nvSpPr>
+          <p:cNvPr id="27" name="TextBox 26"/>
+          <p:cNvSpPr txBox="1"/>
+          <p:nvPr/>
+        </p:nvSpPr>
+        <p:spPr>
+          <a:xfrm>
+            <a:off x="4275579" y="8534400"/>
+            <a:ext cx="1668021" cy="461665"/>
+          </a:xfrm>
+          <a:prstGeom prst="rect">
+            <a:avLst/>
+          </a:prstGeom>
+          <a:noFill/>
+        </p:spPr>
+        <p:txBody>
+          <a:bodyPr wrap="none" rtlCol="0">
+            <a:spAutoFit/>
+          </a:bodyPr>
+          <a:lstStyle/>
+          <a:p>
+            <a:r>
+              <a:rPr lang="en-US" sz="2400" b="1" dirty="0" smtClean="0"/>
+              <a:t>Song Player</a:t>
+            </a:r>
+            <a:endParaRPr lang="en-US" sz="2400" b="1" dirty="0"/>
+          </a:p>
+        </p:txBody>
+      </p:sp>
+      <p:sp>
+        <p:nvSpPr>
+          <p:cNvPr id="30" name="TextBox 29"/>
+          <p:cNvSpPr txBox="1"/>
+          <p:nvPr/>
+        </p:nvSpPr>
+        <p:spPr>
+          <a:xfrm>
+            <a:off x="381000" y="161667"/>
+            <a:ext cx="2305568" cy="461665"/>
+          </a:xfrm>
+          <a:prstGeom prst="rect">
+            <a:avLst/>
+          </a:prstGeom>
+          <a:noFill/>
+        </p:spPr>
+        <p:txBody>
+          <a:bodyPr wrap="none" rtlCol="0">
+            <a:spAutoFit/>
+          </a:bodyPr>
+          <a:lstStyle/>
+          <a:p>
+            <a:r>
+              <a:rPr lang="en-US" sz="2400" b="1" dirty="0" smtClean="0"/>
+              <a:t>Welcom</a:t>
+            </a:r>
+            <a:r>
+              <a:rPr lang="en-US" sz="2400" b="1" dirty="0" smtClean="0"/>
+              <a:t>e Screen</a:t>
+            </a:r>
+            <a:endParaRPr lang="en-US" sz="2400" b="1" dirty="0"/>
+          </a:p>
+        </p:txBody>
+      </p:sp>
       <p:cxnSp>
         <p:nvCxnSpPr>
-          <p:cNvPr id="5" name="Straight Arrow Connector 4"/>
+          <p:cNvPr id="16" name="Straight Arrow Connector 15"/>
           <p:cNvCxnSpPr/>
           <p:nvPr/>
         </p:nvCxnSpPr>
         <p:spPr>
-          <a:xfrm flipH="1" flipV="1">
-            <a:off x="2057400" y="3952140"/>
-            <a:ext cx="3095056" cy="2296260"/>
+          <a:xfrm>
+            <a:off x="1854261" y="2629079"/>
+            <a:ext cx="1918680" cy="66291"/>
           </a:xfrm>
           <a:prstGeom prst="straightConnector1">
             <a:avLst/>
@@ -6883,16 +6303,54 @@
           </a:fontRef>
         </p:style>
       </p:cxnSp>
+      <p:sp>
+        <p:nvSpPr>
+          <p:cNvPr id="21" name="TextBox 20"/>
+          <p:cNvSpPr txBox="1"/>
+          <p:nvPr/>
+        </p:nvSpPr>
+        <p:spPr>
+          <a:xfrm rot="134227">
+            <a:off x="1987672" y="2653621"/>
+            <a:ext cx="1507849" cy="369332"/>
+          </a:xfrm>
+          <a:prstGeom prst="rect">
+            <a:avLst/>
+          </a:prstGeom>
+          <a:noFill/>
+        </p:spPr>
+        <p:txBody>
+          <a:bodyPr wrap="none" rtlCol="0">
+            <a:spAutoFit/>
+          </a:bodyPr>
+          <a:lstStyle/>
+          <a:p>
+            <a:r>
+              <a:rPr lang="en-US" b="1" dirty="0" smtClean="0">
+                <a:solidFill>
+                  <a:srgbClr val="FF0000"/>
+                </a:solidFill>
+              </a:rPr>
+              <a:t>Open Options</a:t>
+            </a:r>
+            <a:endParaRPr lang="en-US" b="1" dirty="0">
+              <a:solidFill>
+                <a:srgbClr val="FF0000"/>
+              </a:solidFill>
+            </a:endParaRPr>
+          </a:p>
+        </p:txBody>
+      </p:sp>
       <p:cxnSp>
         <p:nvCxnSpPr>
-          <p:cNvPr id="11" name="Straight Arrow Connector 10"/>
+          <p:cNvPr id="31" name="Straight Arrow Connector 30"/>
           <p:cNvCxnSpPr/>
           <p:nvPr/>
         </p:nvCxnSpPr>
         <p:spPr>
-          <a:xfrm flipV="1">
-            <a:off x="1391586" y="3952140"/>
-            <a:ext cx="0" cy="3094127"/>
+          <a:xfrm flipH="1">
+            <a:off x="1676400" y="2332306"/>
+            <a:ext cx="2809105" cy="2583013"/>
           </a:xfrm>
           <a:prstGeom prst="straightConnector1">
             <a:avLst/>
@@ -6919,18 +6377,62 @@
           </a:fontRef>
         </p:style>
       </p:cxnSp>
+      <p:sp>
+        <p:nvSpPr>
+          <p:cNvPr id="32" name="TextBox 31"/>
+          <p:cNvSpPr txBox="1"/>
+          <p:nvPr/>
+        </p:nvSpPr>
+        <p:spPr>
+          <a:xfrm rot="19055020">
+            <a:off x="2647495" y="3591890"/>
+            <a:ext cx="1078180" cy="369332"/>
+          </a:xfrm>
+          <a:prstGeom prst="rect">
+            <a:avLst/>
+          </a:prstGeom>
+          <a:noFill/>
+        </p:spPr>
+        <p:txBody>
+          <a:bodyPr wrap="none" rtlCol="0">
+            <a:spAutoFit/>
+          </a:bodyPr>
+          <a:lstStyle/>
+          <a:p>
+            <a:r>
+              <a:rPr lang="en-US" b="1" dirty="0" smtClean="0">
+                <a:solidFill>
+                  <a:srgbClr val="FF0000"/>
+                </a:solidFill>
+              </a:rPr>
+              <a:t>Open </a:t>
+            </a:r>
+            <a:r>
+              <a:rPr lang="en-US" b="1" dirty="0" smtClean="0">
+                <a:solidFill>
+                  <a:srgbClr val="FF0000"/>
+                </a:solidFill>
+              </a:rPr>
+              <a:t>List</a:t>
+            </a:r>
+            <a:endParaRPr lang="en-US" b="1" dirty="0">
+              <a:solidFill>
+                <a:srgbClr val="FF0000"/>
+              </a:solidFill>
+            </a:endParaRPr>
+          </a:p>
+        </p:txBody>
+      </p:sp>
       <p:cxnSp>
         <p:nvCxnSpPr>
-          <p:cNvPr id="16" name="Straight Arrow Connector 15"/>
-          <p:cNvCxnSpPr>
-            <a:endCxn id="1029" idx="0"/>
-          </p:cNvCxnSpPr>
+          <p:cNvPr id="35" name="Straight Arrow Connector 34"/>
+          <p:cNvCxnSpPr/>
           <p:nvPr/>
         </p:nvCxnSpPr>
         <p:spPr>
-          <a:xfrm>
-            <a:off x="3046411" y="647700"/>
-            <a:ext cx="2106045" cy="2527328"/>
+          <a:xfrm flipH="1">
+            <a:off x="5257800" y="2739037"/>
+            <a:ext cx="215341" cy="2137763"/>
           </a:xfrm>
           <a:prstGeom prst="straightConnector1">
             <a:avLst/>
@@ -6957,16 +6459,56 @@
           </a:fontRef>
         </p:style>
       </p:cxnSp>
+      <p:sp>
+        <p:nvSpPr>
+          <p:cNvPr id="36" name="TextBox 35"/>
+          <p:cNvSpPr txBox="1"/>
+          <p:nvPr/>
+        </p:nvSpPr>
+        <p:spPr>
+          <a:xfrm rot="16529519">
+            <a:off x="5019175" y="3579210"/>
+            <a:ext cx="1100622" cy="369332"/>
+          </a:xfrm>
+          <a:prstGeom prst="rect">
+            <a:avLst/>
+          </a:prstGeom>
+          <a:noFill/>
+        </p:spPr>
+        <p:txBody>
+          <a:bodyPr wrap="none" rtlCol="0">
+            <a:spAutoFit/>
+          </a:bodyPr>
+          <a:lstStyle/>
+          <a:p>
+            <a:r>
+              <a:rPr lang="en-US" b="1" dirty="0" smtClean="0">
+                <a:solidFill>
+                  <a:srgbClr val="FF0000"/>
+                </a:solidFill>
+              </a:rPr>
+              <a:t>Play Song</a:t>
+            </a:r>
+            <a:endParaRPr lang="en-US" b="1" dirty="0">
+              <a:solidFill>
+                <a:srgbClr val="FF0000"/>
+              </a:solidFill>
+            </a:endParaRPr>
+          </a:p>
+        </p:txBody>
+      </p:sp>
       <p:cxnSp>
         <p:nvCxnSpPr>
-          <p:cNvPr id="20" name="Straight Arrow Connector 19"/>
-          <p:cNvCxnSpPr/>
+          <p:cNvPr id="37" name="Straight Arrow Connector 36"/>
+          <p:cNvCxnSpPr>
+            <a:endCxn id="1032" idx="1"/>
+          </p:cNvCxnSpPr>
           <p:nvPr/>
         </p:nvCxnSpPr>
         <p:spPr>
-          <a:xfrm flipH="1">
-            <a:off x="1063622" y="1104900"/>
-            <a:ext cx="155578" cy="4483199"/>
+          <a:xfrm>
+            <a:off x="2686568" y="6019800"/>
+            <a:ext cx="1183967" cy="546198"/>
           </a:xfrm>
           <a:prstGeom prst="straightConnector1">
             <a:avLst/>
@@ -6995,104 +6537,14 @@
       </p:cxnSp>
       <p:sp>
         <p:nvSpPr>
-          <p:cNvPr id="19" name="TextBox 18"/>
+          <p:cNvPr id="38" name="TextBox 37"/>
           <p:cNvSpPr txBox="1"/>
           <p:nvPr/>
         </p:nvSpPr>
         <p:spPr>
-          <a:xfrm>
-            <a:off x="703479" y="87868"/>
-            <a:ext cx="1771382" cy="461665"/>
-          </a:xfrm>
-          <a:prstGeom prst="rect">
-            <a:avLst/>
-          </a:prstGeom>
-          <a:noFill/>
-        </p:spPr>
-        <p:txBody>
-          <a:bodyPr wrap="none" rtlCol="0">
-            <a:spAutoFit/>
-          </a:bodyPr>
-          <a:lstStyle/>
-          <a:p>
-            <a:r>
-              <a:rPr lang="en-US" sz="2400" b="1" dirty="0" smtClean="0"/>
-              <a:t>Main Screen</a:t>
-            </a:r>
-            <a:endParaRPr lang="en-US" sz="2400" b="1" dirty="0"/>
-          </a:p>
-        </p:txBody>
-      </p:sp>
-      <p:sp>
-        <p:nvSpPr>
-          <p:cNvPr id="25" name="TextBox 24"/>
-          <p:cNvSpPr txBox="1"/>
-          <p:nvPr/>
-        </p:nvSpPr>
-        <p:spPr>
-          <a:xfrm>
-            <a:off x="4152105" y="6815435"/>
-            <a:ext cx="2017284" cy="461665"/>
-          </a:xfrm>
-          <a:prstGeom prst="rect">
-            <a:avLst/>
-          </a:prstGeom>
-          <a:noFill/>
-        </p:spPr>
-        <p:txBody>
-          <a:bodyPr wrap="none" rtlCol="0">
-            <a:spAutoFit/>
-          </a:bodyPr>
-          <a:lstStyle/>
-          <a:p>
-            <a:r>
-              <a:rPr lang="en-US" sz="2400" b="1" dirty="0" smtClean="0"/>
-              <a:t>Options Menu</a:t>
-            </a:r>
-            <a:endParaRPr lang="en-US" sz="2400" b="1" dirty="0"/>
-          </a:p>
-        </p:txBody>
-      </p:sp>
-      <p:sp>
-        <p:nvSpPr>
-          <p:cNvPr id="26" name="TextBox 25"/>
-          <p:cNvSpPr txBox="1"/>
-          <p:nvPr/>
-        </p:nvSpPr>
-        <p:spPr>
-          <a:xfrm>
-            <a:off x="3240516" y="8293715"/>
-            <a:ext cx="2713820" cy="461665"/>
-          </a:xfrm>
-          <a:prstGeom prst="rect">
-            <a:avLst/>
-          </a:prstGeom>
-          <a:noFill/>
-        </p:spPr>
-        <p:txBody>
-          <a:bodyPr wrap="none" rtlCol="0">
-            <a:spAutoFit/>
-          </a:bodyPr>
-          <a:lstStyle/>
-          <a:p>
-            <a:r>
-              <a:rPr lang="en-US" sz="2400" b="1" dirty="0" smtClean="0"/>
-              <a:t>&lt; Popular Songs List</a:t>
-            </a:r>
-            <a:endParaRPr lang="en-US" sz="2400" b="1" dirty="0"/>
-          </a:p>
-        </p:txBody>
-      </p:sp>
-      <p:sp>
-        <p:nvSpPr>
-          <p:cNvPr id="21" name="TextBox 20"/>
-          <p:cNvSpPr txBox="1"/>
-          <p:nvPr/>
-        </p:nvSpPr>
-        <p:spPr>
-          <a:xfrm rot="3007359">
-            <a:off x="3398179" y="1381498"/>
-            <a:ext cx="1507849" cy="369332"/>
+          <a:xfrm rot="1588550">
+            <a:off x="2787533" y="5805495"/>
+            <a:ext cx="1100622" cy="369332"/>
           </a:xfrm>
           <a:prstGeom prst="rect">
             <a:avLst/>
@@ -7111,121 +6563,7 @@
                   <a:srgbClr val="FF0000"/>
                 </a:solidFill>
               </a:rPr>
-              <a:t>Open Options</a:t>
-            </a:r>
-            <a:endParaRPr lang="en-US" b="1" dirty="0">
-              <a:solidFill>
-                <a:srgbClr val="FF0000"/>
-              </a:solidFill>
-            </a:endParaRPr>
-          </a:p>
-        </p:txBody>
-      </p:sp>
-      <p:sp>
-        <p:nvSpPr>
-          <p:cNvPr id="28" name="TextBox 27"/>
-          <p:cNvSpPr txBox="1"/>
-          <p:nvPr/>
-        </p:nvSpPr>
-        <p:spPr>
-          <a:xfrm rot="2261903">
-            <a:off x="2386475" y="4408136"/>
-            <a:ext cx="1697068" cy="369332"/>
-          </a:xfrm>
-          <a:prstGeom prst="rect">
-            <a:avLst/>
-          </a:prstGeom>
-          <a:noFill/>
-        </p:spPr>
-        <p:txBody>
-          <a:bodyPr wrap="none" rtlCol="0">
-            <a:spAutoFit/>
-          </a:bodyPr>
-          <a:lstStyle/>
-          <a:p>
-            <a:r>
-              <a:rPr lang="en-US" b="1" dirty="0" smtClean="0">
-                <a:solidFill>
-                  <a:srgbClr val="FF0000"/>
-                </a:solidFill>
-              </a:rPr>
-              <a:t>Return to Songs</a:t>
-            </a:r>
-            <a:endParaRPr lang="en-US" b="1" dirty="0">
-              <a:solidFill>
-                <a:srgbClr val="FF0000"/>
-              </a:solidFill>
-            </a:endParaRPr>
-          </a:p>
-        </p:txBody>
-      </p:sp>
-      <p:sp>
-        <p:nvSpPr>
-          <p:cNvPr id="29" name="TextBox 28"/>
-          <p:cNvSpPr txBox="1"/>
-          <p:nvPr/>
-        </p:nvSpPr>
-        <p:spPr>
-          <a:xfrm rot="5400000">
-            <a:off x="980089" y="4678801"/>
-            <a:ext cx="1401346" cy="369332"/>
-          </a:xfrm>
-          <a:prstGeom prst="rect">
-            <a:avLst/>
-          </a:prstGeom>
-          <a:noFill/>
-        </p:spPr>
-        <p:txBody>
-          <a:bodyPr wrap="none" rtlCol="0">
-            <a:spAutoFit/>
-          </a:bodyPr>
-          <a:lstStyle/>
-          <a:p>
-            <a:r>
-              <a:rPr lang="en-US" b="1" dirty="0" smtClean="0">
-                <a:solidFill>
-                  <a:srgbClr val="FF0000"/>
-                </a:solidFill>
-              </a:rPr>
-              <a:t>Choose Song</a:t>
-            </a:r>
-            <a:endParaRPr lang="en-US" b="1" dirty="0">
-              <a:solidFill>
-                <a:srgbClr val="FF0000"/>
-              </a:solidFill>
-            </a:endParaRPr>
-          </a:p>
-        </p:txBody>
-      </p:sp>
-      <p:sp>
-        <p:nvSpPr>
-          <p:cNvPr id="34" name="TextBox 33"/>
-          <p:cNvSpPr txBox="1"/>
-          <p:nvPr/>
-        </p:nvSpPr>
-        <p:spPr>
-          <a:xfrm rot="16200000">
-            <a:off x="18296" y="4378813"/>
-            <a:ext cx="1370363" cy="646331"/>
-          </a:xfrm>
-          <a:prstGeom prst="rect">
-            <a:avLst/>
-          </a:prstGeom>
-          <a:noFill/>
-        </p:spPr>
-        <p:txBody>
-          <a:bodyPr wrap="square" rtlCol="0">
-            <a:spAutoFit/>
-          </a:bodyPr>
-          <a:lstStyle/>
-          <a:p>
-            <a:r>
-              <a:rPr lang="en-US" b="1" dirty="0" smtClean="0">
-                <a:solidFill>
-                  <a:srgbClr val="FF0000"/>
-                </a:solidFill>
-              </a:rPr>
-              <a:t>See Popular Local Songs</a:t>
+              <a:t>Play Song</a:t>
             </a:r>
             <a:endParaRPr lang="en-US" b="1" dirty="0">
               <a:solidFill>
